--- a/Neuroscience Poster.pptx
+++ b/Neuroscience Poster.pptx
@@ -2,7 +2,7 @@
 <file path=ppt/presentation.xml><?xml version="1.0" encoding="utf-8"?>
 <p:presentation xmlns:a="http://schemas.openxmlformats.org/drawingml/2006/main" xmlns:r="http://schemas.openxmlformats.org/officeDocument/2006/relationships" xmlns:p="http://schemas.openxmlformats.org/presentationml/2006/main" saveSubsetFonts="1">
   <p:sldMasterIdLst>
-    <p:sldMasterId id="2147483660" r:id="rId1"/>
+    <p:sldMasterId id="2147483672" r:id="rId1"/>
   </p:sldMasterIdLst>
   <p:notesMasterIdLst>
     <p:notesMasterId r:id="rId3"/>
@@ -10,14 +10,14 @@
   <p:sldIdLst>
     <p:sldId id="256" r:id="rId2"/>
   </p:sldIdLst>
-  <p:sldSz cx="43891200" cy="32918400"/>
+  <p:sldSz cx="51206400" cy="38404800"/>
   <p:notesSz cx="6858000" cy="9144000"/>
   <p:defaultTextStyle>
     <a:defPPr>
       <a:defRPr lang="en-US"/>
     </a:defPPr>
-    <a:lvl1pPr marL="0" algn="l" defTabSz="3686861" rtl="0" eaLnBrk="1" latinLnBrk="0" hangingPunct="1">
-      <a:defRPr sz="7258" kern="1200">
+    <a:lvl1pPr marL="0" algn="l" defTabSz="4301092" rtl="0" eaLnBrk="1" latinLnBrk="0" hangingPunct="1">
+      <a:defRPr sz="8467" kern="1200">
         <a:solidFill>
           <a:schemeClr val="tx1"/>
         </a:solidFill>
@@ -26,8 +26,8 @@
         <a:cs typeface="+mn-cs"/>
       </a:defRPr>
     </a:lvl1pPr>
-    <a:lvl2pPr marL="1843430" algn="l" defTabSz="3686861" rtl="0" eaLnBrk="1" latinLnBrk="0" hangingPunct="1">
-      <a:defRPr sz="7258" kern="1200">
+    <a:lvl2pPr marL="2150545" algn="l" defTabSz="4301092" rtl="0" eaLnBrk="1" latinLnBrk="0" hangingPunct="1">
+      <a:defRPr sz="8467" kern="1200">
         <a:solidFill>
           <a:schemeClr val="tx1"/>
         </a:solidFill>
@@ -36,8 +36,8 @@
         <a:cs typeface="+mn-cs"/>
       </a:defRPr>
     </a:lvl2pPr>
-    <a:lvl3pPr marL="3686861" algn="l" defTabSz="3686861" rtl="0" eaLnBrk="1" latinLnBrk="0" hangingPunct="1">
-      <a:defRPr sz="7258" kern="1200">
+    <a:lvl3pPr marL="4301092" algn="l" defTabSz="4301092" rtl="0" eaLnBrk="1" latinLnBrk="0" hangingPunct="1">
+      <a:defRPr sz="8467" kern="1200">
         <a:solidFill>
           <a:schemeClr val="tx1"/>
         </a:solidFill>
@@ -46,8 +46,8 @@
         <a:cs typeface="+mn-cs"/>
       </a:defRPr>
     </a:lvl3pPr>
-    <a:lvl4pPr marL="5530291" algn="l" defTabSz="3686861" rtl="0" eaLnBrk="1" latinLnBrk="0" hangingPunct="1">
-      <a:defRPr sz="7258" kern="1200">
+    <a:lvl4pPr marL="6451637" algn="l" defTabSz="4301092" rtl="0" eaLnBrk="1" latinLnBrk="0" hangingPunct="1">
+      <a:defRPr sz="8467" kern="1200">
         <a:solidFill>
           <a:schemeClr val="tx1"/>
         </a:solidFill>
@@ -56,8 +56,8 @@
         <a:cs typeface="+mn-cs"/>
       </a:defRPr>
     </a:lvl4pPr>
-    <a:lvl5pPr marL="7373722" algn="l" defTabSz="3686861" rtl="0" eaLnBrk="1" latinLnBrk="0" hangingPunct="1">
-      <a:defRPr sz="7258" kern="1200">
+    <a:lvl5pPr marL="8602184" algn="l" defTabSz="4301092" rtl="0" eaLnBrk="1" latinLnBrk="0" hangingPunct="1">
+      <a:defRPr sz="8467" kern="1200">
         <a:solidFill>
           <a:schemeClr val="tx1"/>
         </a:solidFill>
@@ -66,8 +66,8 @@
         <a:cs typeface="+mn-cs"/>
       </a:defRPr>
     </a:lvl5pPr>
-    <a:lvl6pPr marL="9217152" algn="l" defTabSz="3686861" rtl="0" eaLnBrk="1" latinLnBrk="0" hangingPunct="1">
-      <a:defRPr sz="7258" kern="1200">
+    <a:lvl6pPr marL="10752730" algn="l" defTabSz="4301092" rtl="0" eaLnBrk="1" latinLnBrk="0" hangingPunct="1">
+      <a:defRPr sz="8467" kern="1200">
         <a:solidFill>
           <a:schemeClr val="tx1"/>
         </a:solidFill>
@@ -76,8 +76,8 @@
         <a:cs typeface="+mn-cs"/>
       </a:defRPr>
     </a:lvl6pPr>
-    <a:lvl7pPr marL="11060582" algn="l" defTabSz="3686861" rtl="0" eaLnBrk="1" latinLnBrk="0" hangingPunct="1">
-      <a:defRPr sz="7258" kern="1200">
+    <a:lvl7pPr marL="12903275" algn="l" defTabSz="4301092" rtl="0" eaLnBrk="1" latinLnBrk="0" hangingPunct="1">
+      <a:defRPr sz="8467" kern="1200">
         <a:solidFill>
           <a:schemeClr val="tx1"/>
         </a:solidFill>
@@ -86,8 +86,8 @@
         <a:cs typeface="+mn-cs"/>
       </a:defRPr>
     </a:lvl7pPr>
-    <a:lvl8pPr marL="12904013" algn="l" defTabSz="3686861" rtl="0" eaLnBrk="1" latinLnBrk="0" hangingPunct="1">
-      <a:defRPr sz="7258" kern="1200">
+    <a:lvl8pPr marL="15053822" algn="l" defTabSz="4301092" rtl="0" eaLnBrk="1" latinLnBrk="0" hangingPunct="1">
+      <a:defRPr sz="8467" kern="1200">
         <a:solidFill>
           <a:schemeClr val="tx1"/>
         </a:solidFill>
@@ -96,8 +96,8 @@
         <a:cs typeface="+mn-cs"/>
       </a:defRPr>
     </a:lvl8pPr>
-    <a:lvl9pPr marL="14747443" algn="l" defTabSz="3686861" rtl="0" eaLnBrk="1" latinLnBrk="0" hangingPunct="1">
-      <a:defRPr sz="7258" kern="1200">
+    <a:lvl9pPr marL="17204367" algn="l" defTabSz="4301092" rtl="0" eaLnBrk="1" latinLnBrk="0" hangingPunct="1">
+      <a:defRPr sz="8467" kern="1200">
         <a:solidFill>
           <a:schemeClr val="tx1"/>
         </a:solidFill>
@@ -107,6 +107,11 @@
       </a:defRPr>
     </a:lvl9pPr>
   </p:defaultTextStyle>
+  <p:extLst>
+    <p:ext uri="{EFAFB233-063F-42B5-8137-9DF3F51BA10A}">
+      <p15:sldGuideLst xmlns:p15="http://schemas.microsoft.com/office/powerpoint/2012/main"/>
+    </p:ext>
+  </p:extLst>
 </p:presentation>
 </file>
 
@@ -366,8 +371,8 @@
   </p:cSld>
   <p:clrMap bg1="lt1" tx1="dk1" bg2="lt2" tx2="dk2" accent1="accent1" accent2="accent2" accent3="accent3" accent4="accent4" accent5="accent5" accent6="accent6" hlink="hlink" folHlink="folHlink"/>
   <p:notesStyle>
-    <a:lvl1pPr marL="0" algn="l" defTabSz="3686861" rtl="0" eaLnBrk="1" latinLnBrk="0" hangingPunct="1">
-      <a:defRPr sz="4838" kern="1200">
+    <a:lvl1pPr marL="0" algn="l" defTabSz="4301092" rtl="0" eaLnBrk="1" latinLnBrk="0" hangingPunct="1">
+      <a:defRPr sz="5644" kern="1200">
         <a:solidFill>
           <a:schemeClr val="tx1"/>
         </a:solidFill>
@@ -376,8 +381,8 @@
         <a:cs typeface="+mn-cs"/>
       </a:defRPr>
     </a:lvl1pPr>
-    <a:lvl2pPr marL="1843430" algn="l" defTabSz="3686861" rtl="0" eaLnBrk="1" latinLnBrk="0" hangingPunct="1">
-      <a:defRPr sz="4838" kern="1200">
+    <a:lvl2pPr marL="2150545" algn="l" defTabSz="4301092" rtl="0" eaLnBrk="1" latinLnBrk="0" hangingPunct="1">
+      <a:defRPr sz="5644" kern="1200">
         <a:solidFill>
           <a:schemeClr val="tx1"/>
         </a:solidFill>
@@ -386,8 +391,8 @@
         <a:cs typeface="+mn-cs"/>
       </a:defRPr>
     </a:lvl2pPr>
-    <a:lvl3pPr marL="3686861" algn="l" defTabSz="3686861" rtl="0" eaLnBrk="1" latinLnBrk="0" hangingPunct="1">
-      <a:defRPr sz="4838" kern="1200">
+    <a:lvl3pPr marL="4301092" algn="l" defTabSz="4301092" rtl="0" eaLnBrk="1" latinLnBrk="0" hangingPunct="1">
+      <a:defRPr sz="5644" kern="1200">
         <a:solidFill>
           <a:schemeClr val="tx1"/>
         </a:solidFill>
@@ -396,8 +401,8 @@
         <a:cs typeface="+mn-cs"/>
       </a:defRPr>
     </a:lvl3pPr>
-    <a:lvl4pPr marL="5530291" algn="l" defTabSz="3686861" rtl="0" eaLnBrk="1" latinLnBrk="0" hangingPunct="1">
-      <a:defRPr sz="4838" kern="1200">
+    <a:lvl4pPr marL="6451637" algn="l" defTabSz="4301092" rtl="0" eaLnBrk="1" latinLnBrk="0" hangingPunct="1">
+      <a:defRPr sz="5644" kern="1200">
         <a:solidFill>
           <a:schemeClr val="tx1"/>
         </a:solidFill>
@@ -406,8 +411,8 @@
         <a:cs typeface="+mn-cs"/>
       </a:defRPr>
     </a:lvl4pPr>
-    <a:lvl5pPr marL="7373722" algn="l" defTabSz="3686861" rtl="0" eaLnBrk="1" latinLnBrk="0" hangingPunct="1">
-      <a:defRPr sz="4838" kern="1200">
+    <a:lvl5pPr marL="8602184" algn="l" defTabSz="4301092" rtl="0" eaLnBrk="1" latinLnBrk="0" hangingPunct="1">
+      <a:defRPr sz="5644" kern="1200">
         <a:solidFill>
           <a:schemeClr val="tx1"/>
         </a:solidFill>
@@ -416,8 +421,8 @@
         <a:cs typeface="+mn-cs"/>
       </a:defRPr>
     </a:lvl5pPr>
-    <a:lvl6pPr marL="9217152" algn="l" defTabSz="3686861" rtl="0" eaLnBrk="1" latinLnBrk="0" hangingPunct="1">
-      <a:defRPr sz="4838" kern="1200">
+    <a:lvl6pPr marL="10752730" algn="l" defTabSz="4301092" rtl="0" eaLnBrk="1" latinLnBrk="0" hangingPunct="1">
+      <a:defRPr sz="5644" kern="1200">
         <a:solidFill>
           <a:schemeClr val="tx1"/>
         </a:solidFill>
@@ -426,8 +431,8 @@
         <a:cs typeface="+mn-cs"/>
       </a:defRPr>
     </a:lvl6pPr>
-    <a:lvl7pPr marL="11060582" algn="l" defTabSz="3686861" rtl="0" eaLnBrk="1" latinLnBrk="0" hangingPunct="1">
-      <a:defRPr sz="4838" kern="1200">
+    <a:lvl7pPr marL="12903275" algn="l" defTabSz="4301092" rtl="0" eaLnBrk="1" latinLnBrk="0" hangingPunct="1">
+      <a:defRPr sz="5644" kern="1200">
         <a:solidFill>
           <a:schemeClr val="tx1"/>
         </a:solidFill>
@@ -436,8 +441,8 @@
         <a:cs typeface="+mn-cs"/>
       </a:defRPr>
     </a:lvl7pPr>
-    <a:lvl8pPr marL="12904013" algn="l" defTabSz="3686861" rtl="0" eaLnBrk="1" latinLnBrk="0" hangingPunct="1">
-      <a:defRPr sz="4838" kern="1200">
+    <a:lvl8pPr marL="15053822" algn="l" defTabSz="4301092" rtl="0" eaLnBrk="1" latinLnBrk="0" hangingPunct="1">
+      <a:defRPr sz="5644" kern="1200">
         <a:solidFill>
           <a:schemeClr val="tx1"/>
         </a:solidFill>
@@ -446,8 +451,8 @@
         <a:cs typeface="+mn-cs"/>
       </a:defRPr>
     </a:lvl8pPr>
-    <a:lvl9pPr marL="14747443" algn="l" defTabSz="3686861" rtl="0" eaLnBrk="1" latinLnBrk="0" hangingPunct="1">
-      <a:defRPr sz="4838" kern="1200">
+    <a:lvl9pPr marL="17204367" algn="l" defTabSz="4301092" rtl="0" eaLnBrk="1" latinLnBrk="0" hangingPunct="1">
+      <a:defRPr sz="5644" kern="1200">
         <a:solidFill>
           <a:schemeClr val="tx1"/>
         </a:solidFill>
@@ -573,15 +578,15 @@
         </p:nvSpPr>
         <p:spPr>
           <a:xfrm>
-            <a:off x="3291840" y="5387342"/>
-            <a:ext cx="37307520" cy="11460480"/>
+            <a:off x="3840480" y="6285233"/>
+            <a:ext cx="43525440" cy="13370560"/>
           </a:xfrm>
         </p:spPr>
         <p:txBody>
           <a:bodyPr anchor="b"/>
           <a:lstStyle>
             <a:lvl1pPr algn="ctr">
-              <a:defRPr sz="28800"/>
+              <a:defRPr sz="33600"/>
             </a:lvl1pPr>
           </a:lstStyle>
           <a:p>
@@ -605,8 +610,8 @@
         </p:nvSpPr>
         <p:spPr>
           <a:xfrm>
-            <a:off x="5486400" y="17289782"/>
-            <a:ext cx="32918400" cy="7947658"/>
+            <a:off x="6400800" y="20171413"/>
+            <a:ext cx="38404800" cy="9272267"/>
           </a:xfrm>
         </p:spPr>
         <p:txBody>
@@ -614,39 +619,39 @@
           <a:lstStyle>
             <a:lvl1pPr marL="0" indent="0" algn="ctr">
               <a:buNone/>
-              <a:defRPr sz="11520"/>
+              <a:defRPr sz="13440"/>
             </a:lvl1pPr>
-            <a:lvl2pPr marL="2194560" indent="0" algn="ctr">
-              <a:buNone/>
-              <a:defRPr sz="9600"/>
+            <a:lvl2pPr marL="2560320" indent="0" algn="ctr">
+              <a:buNone/>
+              <a:defRPr sz="11200"/>
             </a:lvl2pPr>
-            <a:lvl3pPr marL="4389120" indent="0" algn="ctr">
-              <a:buNone/>
-              <a:defRPr sz="8640"/>
+            <a:lvl3pPr marL="5120640" indent="0" algn="ctr">
+              <a:buNone/>
+              <a:defRPr sz="10080"/>
             </a:lvl3pPr>
-            <a:lvl4pPr marL="6583680" indent="0" algn="ctr">
-              <a:buNone/>
-              <a:defRPr sz="7680"/>
+            <a:lvl4pPr marL="7680960" indent="0" algn="ctr">
+              <a:buNone/>
+              <a:defRPr sz="8960"/>
             </a:lvl4pPr>
-            <a:lvl5pPr marL="8778240" indent="0" algn="ctr">
-              <a:buNone/>
-              <a:defRPr sz="7680"/>
+            <a:lvl5pPr marL="10241280" indent="0" algn="ctr">
+              <a:buNone/>
+              <a:defRPr sz="8960"/>
             </a:lvl5pPr>
-            <a:lvl6pPr marL="10972800" indent="0" algn="ctr">
-              <a:buNone/>
-              <a:defRPr sz="7680"/>
+            <a:lvl6pPr marL="12801600" indent="0" algn="ctr">
+              <a:buNone/>
+              <a:defRPr sz="8960"/>
             </a:lvl6pPr>
-            <a:lvl7pPr marL="13167360" indent="0" algn="ctr">
-              <a:buNone/>
-              <a:defRPr sz="7680"/>
+            <a:lvl7pPr marL="15361920" indent="0" algn="ctr">
+              <a:buNone/>
+              <a:defRPr sz="8960"/>
             </a:lvl7pPr>
-            <a:lvl8pPr marL="15361920" indent="0" algn="ctr">
-              <a:buNone/>
-              <a:defRPr sz="7680"/>
+            <a:lvl8pPr marL="17922240" indent="0" algn="ctr">
+              <a:buNone/>
+              <a:defRPr sz="8960"/>
             </a:lvl8pPr>
-            <a:lvl9pPr marL="17556480" indent="0" algn="ctr">
-              <a:buNone/>
-              <a:defRPr sz="7680"/>
+            <a:lvl9pPr marL="20482560" indent="0" algn="ctr">
+              <a:buNone/>
+              <a:defRPr sz="8960"/>
             </a:lvl9pPr>
           </a:lstStyle>
           <a:p>
@@ -726,7 +731,7 @@
     </p:spTree>
     <p:extLst>
       <p:ext uri="{BB962C8B-B14F-4D97-AF65-F5344CB8AC3E}">
-        <p14:creationId xmlns:p14="http://schemas.microsoft.com/office/powerpoint/2010/main" val="3079230047"/>
+        <p14:creationId xmlns:p14="http://schemas.microsoft.com/office/powerpoint/2010/main" val="2539215588"/>
       </p:ext>
     </p:extLst>
   </p:cSld>
@@ -794,7 +799,7 @@
             <a:pPr lvl="0"/>
             <a:r>
               <a:rPr lang="en-US" smtClean="0"/>
-              <a:t>Click to edit Master text styles</a:t>
+              <a:t>Edit Master text styles</a:t>
             </a:r>
           </a:p>
           <a:p>
@@ -896,7 +901,7 @@
     </p:spTree>
     <p:extLst>
       <p:ext uri="{BB962C8B-B14F-4D97-AF65-F5344CB8AC3E}">
-        <p14:creationId xmlns:p14="http://schemas.microsoft.com/office/powerpoint/2010/main" val="1284439008"/>
+        <p14:creationId xmlns:p14="http://schemas.microsoft.com/office/powerpoint/2010/main" val="2319652235"/>
       </p:ext>
     </p:extLst>
   </p:cSld>
@@ -935,8 +940,8 @@
         </p:nvSpPr>
         <p:spPr>
           <a:xfrm>
-            <a:off x="31409642" y="1752600"/>
-            <a:ext cx="9464040" cy="27896822"/>
+            <a:off x="36644583" y="2044700"/>
+            <a:ext cx="11041380" cy="32546293"/>
           </a:xfrm>
         </p:spPr>
         <p:txBody>
@@ -963,8 +968,8 @@
         </p:nvSpPr>
         <p:spPr>
           <a:xfrm>
-            <a:off x="3017522" y="1752600"/>
-            <a:ext cx="27843480" cy="27896822"/>
+            <a:off x="3520443" y="2044700"/>
+            <a:ext cx="32484060" cy="32546293"/>
           </a:xfrm>
         </p:spPr>
         <p:txBody>
@@ -974,7 +979,7 @@
             <a:pPr lvl="0"/>
             <a:r>
               <a:rPr lang="en-US" smtClean="0"/>
-              <a:t>Click to edit Master text styles</a:t>
+              <a:t>Edit Master text styles</a:t>
             </a:r>
           </a:p>
           <a:p>
@@ -1076,7 +1081,7 @@
     </p:spTree>
     <p:extLst>
       <p:ext uri="{BB962C8B-B14F-4D97-AF65-F5344CB8AC3E}">
-        <p14:creationId xmlns:p14="http://schemas.microsoft.com/office/powerpoint/2010/main" val="2406864910"/>
+        <p14:creationId xmlns:p14="http://schemas.microsoft.com/office/powerpoint/2010/main" val="292336949"/>
       </p:ext>
     </p:extLst>
   </p:cSld>
@@ -1144,7 +1149,7 @@
             <a:pPr lvl="0"/>
             <a:r>
               <a:rPr lang="en-US" smtClean="0"/>
-              <a:t>Click to edit Master text styles</a:t>
+              <a:t>Edit Master text styles</a:t>
             </a:r>
           </a:p>
           <a:p>
@@ -1246,7 +1251,7 @@
     </p:spTree>
     <p:extLst>
       <p:ext uri="{BB962C8B-B14F-4D97-AF65-F5344CB8AC3E}">
-        <p14:creationId xmlns:p14="http://schemas.microsoft.com/office/powerpoint/2010/main" val="1075131417"/>
+        <p14:creationId xmlns:p14="http://schemas.microsoft.com/office/powerpoint/2010/main" val="1563914981"/>
       </p:ext>
     </p:extLst>
   </p:cSld>
@@ -1285,15 +1290,15 @@
         </p:nvSpPr>
         <p:spPr>
           <a:xfrm>
-            <a:off x="2994662" y="8206749"/>
-            <a:ext cx="37856160" cy="13693138"/>
+            <a:off x="3493773" y="9574541"/>
+            <a:ext cx="44165520" cy="15975327"/>
           </a:xfrm>
         </p:spPr>
         <p:txBody>
           <a:bodyPr anchor="b"/>
           <a:lstStyle>
             <a:lvl1pPr>
-              <a:defRPr sz="28800"/>
+              <a:defRPr sz="33600"/>
             </a:lvl1pPr>
           </a:lstStyle>
           <a:p>
@@ -1317,8 +1322,8 @@
         </p:nvSpPr>
         <p:spPr>
           <a:xfrm>
-            <a:off x="2994662" y="22029429"/>
-            <a:ext cx="37856160" cy="7200898"/>
+            <a:off x="3493773" y="25701001"/>
+            <a:ext cx="44165520" cy="8401047"/>
           </a:xfrm>
         </p:spPr>
         <p:txBody>
@@ -1326,15 +1331,15 @@
           <a:lstStyle>
             <a:lvl1pPr marL="0" indent="0">
               <a:buNone/>
-              <a:defRPr sz="11520">
+              <a:defRPr sz="13440">
                 <a:solidFill>
                   <a:schemeClr val="tx1"/>
                 </a:solidFill>
               </a:defRPr>
             </a:lvl1pPr>
-            <a:lvl2pPr marL="2194560" indent="0">
-              <a:buNone/>
-              <a:defRPr sz="9600">
+            <a:lvl2pPr marL="2560320" indent="0">
+              <a:buNone/>
+              <a:defRPr sz="11200">
                 <a:solidFill>
                   <a:schemeClr val="tx1">
                     <a:tint val="75000"/>
@@ -1342,9 +1347,9 @@
                 </a:solidFill>
               </a:defRPr>
             </a:lvl2pPr>
-            <a:lvl3pPr marL="4389120" indent="0">
-              <a:buNone/>
-              <a:defRPr sz="8640">
+            <a:lvl3pPr marL="5120640" indent="0">
+              <a:buNone/>
+              <a:defRPr sz="10080">
                 <a:solidFill>
                   <a:schemeClr val="tx1">
                     <a:tint val="75000"/>
@@ -1352,9 +1357,9 @@
                 </a:solidFill>
               </a:defRPr>
             </a:lvl3pPr>
-            <a:lvl4pPr marL="6583680" indent="0">
-              <a:buNone/>
-              <a:defRPr sz="7680">
+            <a:lvl4pPr marL="7680960" indent="0">
+              <a:buNone/>
+              <a:defRPr sz="8960">
                 <a:solidFill>
                   <a:schemeClr val="tx1">
                     <a:tint val="75000"/>
@@ -1362,9 +1367,9 @@
                 </a:solidFill>
               </a:defRPr>
             </a:lvl4pPr>
-            <a:lvl5pPr marL="8778240" indent="0">
-              <a:buNone/>
-              <a:defRPr sz="7680">
+            <a:lvl5pPr marL="10241280" indent="0">
+              <a:buNone/>
+              <a:defRPr sz="8960">
                 <a:solidFill>
                   <a:schemeClr val="tx1">
                     <a:tint val="75000"/>
@@ -1372,9 +1377,9 @@
                 </a:solidFill>
               </a:defRPr>
             </a:lvl5pPr>
-            <a:lvl6pPr marL="10972800" indent="0">
-              <a:buNone/>
-              <a:defRPr sz="7680">
+            <a:lvl6pPr marL="12801600" indent="0">
+              <a:buNone/>
+              <a:defRPr sz="8960">
                 <a:solidFill>
                   <a:schemeClr val="tx1">
                     <a:tint val="75000"/>
@@ -1382,9 +1387,9 @@
                 </a:solidFill>
               </a:defRPr>
             </a:lvl6pPr>
-            <a:lvl7pPr marL="13167360" indent="0">
-              <a:buNone/>
-              <a:defRPr sz="7680">
+            <a:lvl7pPr marL="15361920" indent="0">
+              <a:buNone/>
+              <a:defRPr sz="8960">
                 <a:solidFill>
                   <a:schemeClr val="tx1">
                     <a:tint val="75000"/>
@@ -1392,9 +1397,9 @@
                 </a:solidFill>
               </a:defRPr>
             </a:lvl7pPr>
-            <a:lvl8pPr marL="15361920" indent="0">
-              <a:buNone/>
-              <a:defRPr sz="7680">
+            <a:lvl8pPr marL="17922240" indent="0">
+              <a:buNone/>
+              <a:defRPr sz="8960">
                 <a:solidFill>
                   <a:schemeClr val="tx1">
                     <a:tint val="75000"/>
@@ -1402,9 +1407,9 @@
                 </a:solidFill>
               </a:defRPr>
             </a:lvl8pPr>
-            <a:lvl9pPr marL="17556480" indent="0">
-              <a:buNone/>
-              <a:defRPr sz="7680">
+            <a:lvl9pPr marL="20482560" indent="0">
+              <a:buNone/>
+              <a:defRPr sz="8960">
                 <a:solidFill>
                   <a:schemeClr val="tx1">
                     <a:tint val="75000"/>
@@ -1417,7 +1422,7 @@
             <a:pPr lvl="0"/>
             <a:r>
               <a:rPr lang="en-US" smtClean="0"/>
-              <a:t>Click to edit Master text styles</a:t>
+              <a:t>Edit Master text styles</a:t>
             </a:r>
           </a:p>
         </p:txBody>
@@ -1490,7 +1495,7 @@
     </p:spTree>
     <p:extLst>
       <p:ext uri="{BB962C8B-B14F-4D97-AF65-F5344CB8AC3E}">
-        <p14:creationId xmlns:p14="http://schemas.microsoft.com/office/powerpoint/2010/main" val="936066390"/>
+        <p14:creationId xmlns:p14="http://schemas.microsoft.com/office/powerpoint/2010/main" val="2279132300"/>
       </p:ext>
     </p:extLst>
   </p:cSld>
@@ -1552,8 +1557,8 @@
         </p:nvSpPr>
         <p:spPr>
           <a:xfrm>
-            <a:off x="3017520" y="8763000"/>
-            <a:ext cx="18653760" cy="20886422"/>
+            <a:off x="3520440" y="10223500"/>
+            <a:ext cx="21762720" cy="24367493"/>
           </a:xfrm>
         </p:spPr>
         <p:txBody>
@@ -1563,7 +1568,7 @@
             <a:pPr lvl="0"/>
             <a:r>
               <a:rPr lang="en-US" smtClean="0"/>
-              <a:t>Click to edit Master text styles</a:t>
+              <a:t>Edit Master text styles</a:t>
             </a:r>
           </a:p>
           <a:p>
@@ -1609,8 +1614,8 @@
         </p:nvSpPr>
         <p:spPr>
           <a:xfrm>
-            <a:off x="22219920" y="8763000"/>
-            <a:ext cx="18653760" cy="20886422"/>
+            <a:off x="25923240" y="10223500"/>
+            <a:ext cx="21762720" cy="24367493"/>
           </a:xfrm>
         </p:spPr>
         <p:txBody>
@@ -1620,7 +1625,7 @@
             <a:pPr lvl="0"/>
             <a:r>
               <a:rPr lang="en-US" smtClean="0"/>
-              <a:t>Click to edit Master text styles</a:t>
+              <a:t>Edit Master text styles</a:t>
             </a:r>
           </a:p>
           <a:p>
@@ -1722,7 +1727,7 @@
     </p:spTree>
     <p:extLst>
       <p:ext uri="{BB962C8B-B14F-4D97-AF65-F5344CB8AC3E}">
-        <p14:creationId xmlns:p14="http://schemas.microsoft.com/office/powerpoint/2010/main" val="2632868847"/>
+        <p14:creationId xmlns:p14="http://schemas.microsoft.com/office/powerpoint/2010/main" val="3272197967"/>
       </p:ext>
     </p:extLst>
   </p:cSld>
@@ -1761,8 +1766,8 @@
         </p:nvSpPr>
         <p:spPr>
           <a:xfrm>
-            <a:off x="3023237" y="1752607"/>
-            <a:ext cx="37856160" cy="6362702"/>
+            <a:off x="3527110" y="2044708"/>
+            <a:ext cx="44165520" cy="7423153"/>
           </a:xfrm>
         </p:spPr>
         <p:txBody>
@@ -1789,8 +1794,8 @@
         </p:nvSpPr>
         <p:spPr>
           <a:xfrm>
-            <a:off x="3023242" y="8069582"/>
-            <a:ext cx="18568032" cy="3954778"/>
+            <a:off x="3527115" y="9414513"/>
+            <a:ext cx="21662704" cy="4613907"/>
           </a:xfrm>
         </p:spPr>
         <p:txBody>
@@ -1798,46 +1803,46 @@
           <a:lstStyle>
             <a:lvl1pPr marL="0" indent="0">
               <a:buNone/>
-              <a:defRPr sz="11520" b="1"/>
+              <a:defRPr sz="13440" b="1"/>
             </a:lvl1pPr>
-            <a:lvl2pPr marL="2194560" indent="0">
-              <a:buNone/>
-              <a:defRPr sz="9600" b="1"/>
+            <a:lvl2pPr marL="2560320" indent="0">
+              <a:buNone/>
+              <a:defRPr sz="11200" b="1"/>
             </a:lvl2pPr>
-            <a:lvl3pPr marL="4389120" indent="0">
-              <a:buNone/>
-              <a:defRPr sz="8640" b="1"/>
+            <a:lvl3pPr marL="5120640" indent="0">
+              <a:buNone/>
+              <a:defRPr sz="10080" b="1"/>
             </a:lvl3pPr>
-            <a:lvl4pPr marL="6583680" indent="0">
-              <a:buNone/>
-              <a:defRPr sz="7680" b="1"/>
+            <a:lvl4pPr marL="7680960" indent="0">
+              <a:buNone/>
+              <a:defRPr sz="8960" b="1"/>
             </a:lvl4pPr>
-            <a:lvl5pPr marL="8778240" indent="0">
-              <a:buNone/>
-              <a:defRPr sz="7680" b="1"/>
+            <a:lvl5pPr marL="10241280" indent="0">
+              <a:buNone/>
+              <a:defRPr sz="8960" b="1"/>
             </a:lvl5pPr>
-            <a:lvl6pPr marL="10972800" indent="0">
-              <a:buNone/>
-              <a:defRPr sz="7680" b="1"/>
+            <a:lvl6pPr marL="12801600" indent="0">
+              <a:buNone/>
+              <a:defRPr sz="8960" b="1"/>
             </a:lvl6pPr>
-            <a:lvl7pPr marL="13167360" indent="0">
-              <a:buNone/>
-              <a:defRPr sz="7680" b="1"/>
+            <a:lvl7pPr marL="15361920" indent="0">
+              <a:buNone/>
+              <a:defRPr sz="8960" b="1"/>
             </a:lvl7pPr>
-            <a:lvl8pPr marL="15361920" indent="0">
-              <a:buNone/>
-              <a:defRPr sz="7680" b="1"/>
+            <a:lvl8pPr marL="17922240" indent="0">
+              <a:buNone/>
+              <a:defRPr sz="8960" b="1"/>
             </a:lvl8pPr>
-            <a:lvl9pPr marL="17556480" indent="0">
-              <a:buNone/>
-              <a:defRPr sz="7680" b="1"/>
+            <a:lvl9pPr marL="20482560" indent="0">
+              <a:buNone/>
+              <a:defRPr sz="8960" b="1"/>
             </a:lvl9pPr>
           </a:lstStyle>
           <a:p>
             <a:pPr lvl="0"/>
             <a:r>
               <a:rPr lang="en-US" smtClean="0"/>
-              <a:t>Click to edit Master text styles</a:t>
+              <a:t>Edit Master text styles</a:t>
             </a:r>
           </a:p>
         </p:txBody>
@@ -1854,8 +1859,8 @@
         </p:nvSpPr>
         <p:spPr>
           <a:xfrm>
-            <a:off x="3023242" y="12024360"/>
-            <a:ext cx="18568032" cy="17686022"/>
+            <a:off x="3527115" y="14028420"/>
+            <a:ext cx="21662704" cy="20633693"/>
           </a:xfrm>
         </p:spPr>
         <p:txBody>
@@ -1865,7 +1870,7 @@
             <a:pPr lvl="0"/>
             <a:r>
               <a:rPr lang="en-US" smtClean="0"/>
-              <a:t>Click to edit Master text styles</a:t>
+              <a:t>Edit Master text styles</a:t>
             </a:r>
           </a:p>
           <a:p>
@@ -1911,8 +1916,8 @@
         </p:nvSpPr>
         <p:spPr>
           <a:xfrm>
-            <a:off x="22219922" y="8069582"/>
-            <a:ext cx="18659477" cy="3954778"/>
+            <a:off x="25923243" y="9414513"/>
+            <a:ext cx="21769390" cy="4613907"/>
           </a:xfrm>
         </p:spPr>
         <p:txBody>
@@ -1920,46 +1925,46 @@
           <a:lstStyle>
             <a:lvl1pPr marL="0" indent="0">
               <a:buNone/>
-              <a:defRPr sz="11520" b="1"/>
+              <a:defRPr sz="13440" b="1"/>
             </a:lvl1pPr>
-            <a:lvl2pPr marL="2194560" indent="0">
-              <a:buNone/>
-              <a:defRPr sz="9600" b="1"/>
+            <a:lvl2pPr marL="2560320" indent="0">
+              <a:buNone/>
+              <a:defRPr sz="11200" b="1"/>
             </a:lvl2pPr>
-            <a:lvl3pPr marL="4389120" indent="0">
-              <a:buNone/>
-              <a:defRPr sz="8640" b="1"/>
+            <a:lvl3pPr marL="5120640" indent="0">
+              <a:buNone/>
+              <a:defRPr sz="10080" b="1"/>
             </a:lvl3pPr>
-            <a:lvl4pPr marL="6583680" indent="0">
-              <a:buNone/>
-              <a:defRPr sz="7680" b="1"/>
+            <a:lvl4pPr marL="7680960" indent="0">
+              <a:buNone/>
+              <a:defRPr sz="8960" b="1"/>
             </a:lvl4pPr>
-            <a:lvl5pPr marL="8778240" indent="0">
-              <a:buNone/>
-              <a:defRPr sz="7680" b="1"/>
+            <a:lvl5pPr marL="10241280" indent="0">
+              <a:buNone/>
+              <a:defRPr sz="8960" b="1"/>
             </a:lvl5pPr>
-            <a:lvl6pPr marL="10972800" indent="0">
-              <a:buNone/>
-              <a:defRPr sz="7680" b="1"/>
+            <a:lvl6pPr marL="12801600" indent="0">
+              <a:buNone/>
+              <a:defRPr sz="8960" b="1"/>
             </a:lvl6pPr>
-            <a:lvl7pPr marL="13167360" indent="0">
-              <a:buNone/>
-              <a:defRPr sz="7680" b="1"/>
+            <a:lvl7pPr marL="15361920" indent="0">
+              <a:buNone/>
+              <a:defRPr sz="8960" b="1"/>
             </a:lvl7pPr>
-            <a:lvl8pPr marL="15361920" indent="0">
-              <a:buNone/>
-              <a:defRPr sz="7680" b="1"/>
+            <a:lvl8pPr marL="17922240" indent="0">
+              <a:buNone/>
+              <a:defRPr sz="8960" b="1"/>
             </a:lvl8pPr>
-            <a:lvl9pPr marL="17556480" indent="0">
-              <a:buNone/>
-              <a:defRPr sz="7680" b="1"/>
+            <a:lvl9pPr marL="20482560" indent="0">
+              <a:buNone/>
+              <a:defRPr sz="8960" b="1"/>
             </a:lvl9pPr>
           </a:lstStyle>
           <a:p>
             <a:pPr lvl="0"/>
             <a:r>
               <a:rPr lang="en-US" smtClean="0"/>
-              <a:t>Click to edit Master text styles</a:t>
+              <a:t>Edit Master text styles</a:t>
             </a:r>
           </a:p>
         </p:txBody>
@@ -1976,8 +1981,8 @@
         </p:nvSpPr>
         <p:spPr>
           <a:xfrm>
-            <a:off x="22219922" y="12024360"/>
-            <a:ext cx="18659477" cy="17686022"/>
+            <a:off x="25923243" y="14028420"/>
+            <a:ext cx="21769390" cy="20633693"/>
           </a:xfrm>
         </p:spPr>
         <p:txBody>
@@ -1987,7 +1992,7 @@
             <a:pPr lvl="0"/>
             <a:r>
               <a:rPr lang="en-US" smtClean="0"/>
-              <a:t>Click to edit Master text styles</a:t>
+              <a:t>Edit Master text styles</a:t>
             </a:r>
           </a:p>
           <a:p>
@@ -2089,7 +2094,7 @@
     </p:spTree>
     <p:extLst>
       <p:ext uri="{BB962C8B-B14F-4D97-AF65-F5344CB8AC3E}">
-        <p14:creationId xmlns:p14="http://schemas.microsoft.com/office/powerpoint/2010/main" val="1110602038"/>
+        <p14:creationId xmlns:p14="http://schemas.microsoft.com/office/powerpoint/2010/main" val="2747941757"/>
       </p:ext>
     </p:extLst>
   </p:cSld>
@@ -2207,7 +2212,7 @@
     </p:spTree>
     <p:extLst>
       <p:ext uri="{BB962C8B-B14F-4D97-AF65-F5344CB8AC3E}">
-        <p14:creationId xmlns:p14="http://schemas.microsoft.com/office/powerpoint/2010/main" val="1014878681"/>
+        <p14:creationId xmlns:p14="http://schemas.microsoft.com/office/powerpoint/2010/main" val="791200775"/>
       </p:ext>
     </p:extLst>
   </p:cSld>
@@ -2302,7 +2307,7 @@
     </p:spTree>
     <p:extLst>
       <p:ext uri="{BB962C8B-B14F-4D97-AF65-F5344CB8AC3E}">
-        <p14:creationId xmlns:p14="http://schemas.microsoft.com/office/powerpoint/2010/main" val="4291038192"/>
+        <p14:creationId xmlns:p14="http://schemas.microsoft.com/office/powerpoint/2010/main" val="619878057"/>
       </p:ext>
     </p:extLst>
   </p:cSld>
@@ -2341,15 +2346,15 @@
         </p:nvSpPr>
         <p:spPr>
           <a:xfrm>
-            <a:off x="3023237" y="2194560"/>
-            <a:ext cx="14156054" cy="7680960"/>
+            <a:off x="3527110" y="2560320"/>
+            <a:ext cx="16515397" cy="8961120"/>
           </a:xfrm>
         </p:spPr>
         <p:txBody>
           <a:bodyPr anchor="b"/>
           <a:lstStyle>
             <a:lvl1pPr>
-              <a:defRPr sz="15360"/>
+              <a:defRPr sz="17920"/>
             </a:lvl1pPr>
           </a:lstStyle>
           <a:p>
@@ -2373,46 +2378,46 @@
         </p:nvSpPr>
         <p:spPr>
           <a:xfrm>
-            <a:off x="18659477" y="4739647"/>
-            <a:ext cx="22219920" cy="23393400"/>
+            <a:off x="21769390" y="5529588"/>
+            <a:ext cx="25923240" cy="27292300"/>
           </a:xfrm>
         </p:spPr>
         <p:txBody>
           <a:bodyPr/>
           <a:lstStyle>
             <a:lvl1pPr>
-              <a:defRPr sz="15360"/>
+              <a:defRPr sz="17920"/>
             </a:lvl1pPr>
             <a:lvl2pPr>
-              <a:defRPr sz="13440"/>
+              <a:defRPr sz="15680"/>
             </a:lvl2pPr>
             <a:lvl3pPr>
-              <a:defRPr sz="11520"/>
+              <a:defRPr sz="13440"/>
             </a:lvl3pPr>
             <a:lvl4pPr>
-              <a:defRPr sz="9600"/>
+              <a:defRPr sz="11200"/>
             </a:lvl4pPr>
             <a:lvl5pPr>
-              <a:defRPr sz="9600"/>
+              <a:defRPr sz="11200"/>
             </a:lvl5pPr>
             <a:lvl6pPr>
-              <a:defRPr sz="9600"/>
+              <a:defRPr sz="11200"/>
             </a:lvl6pPr>
             <a:lvl7pPr>
-              <a:defRPr sz="9600"/>
+              <a:defRPr sz="11200"/>
             </a:lvl7pPr>
             <a:lvl8pPr>
-              <a:defRPr sz="9600"/>
+              <a:defRPr sz="11200"/>
             </a:lvl8pPr>
             <a:lvl9pPr>
-              <a:defRPr sz="9600"/>
+              <a:defRPr sz="11200"/>
             </a:lvl9pPr>
           </a:lstStyle>
           <a:p>
             <a:pPr lvl="0"/>
             <a:r>
               <a:rPr lang="en-US" smtClean="0"/>
-              <a:t>Click to edit Master text styles</a:t>
+              <a:t>Edit Master text styles</a:t>
             </a:r>
           </a:p>
           <a:p>
@@ -2458,8 +2463,8 @@
         </p:nvSpPr>
         <p:spPr>
           <a:xfrm>
-            <a:off x="3023237" y="9875520"/>
-            <a:ext cx="14156054" cy="18295622"/>
+            <a:off x="3527110" y="11521440"/>
+            <a:ext cx="16515397" cy="21344893"/>
           </a:xfrm>
         </p:spPr>
         <p:txBody>
@@ -2467,46 +2472,46 @@
           <a:lstStyle>
             <a:lvl1pPr marL="0" indent="0">
               <a:buNone/>
-              <a:defRPr sz="7680"/>
+              <a:defRPr sz="8960"/>
             </a:lvl1pPr>
-            <a:lvl2pPr marL="2194560" indent="0">
+            <a:lvl2pPr marL="2560320" indent="0">
+              <a:buNone/>
+              <a:defRPr sz="7840"/>
+            </a:lvl2pPr>
+            <a:lvl3pPr marL="5120640" indent="0">
               <a:buNone/>
               <a:defRPr sz="6720"/>
-            </a:lvl2pPr>
-            <a:lvl3pPr marL="4389120" indent="0">
-              <a:buNone/>
-              <a:defRPr sz="5760"/>
             </a:lvl3pPr>
-            <a:lvl4pPr marL="6583680" indent="0">
-              <a:buNone/>
-              <a:defRPr sz="4800"/>
+            <a:lvl4pPr marL="7680960" indent="0">
+              <a:buNone/>
+              <a:defRPr sz="5600"/>
             </a:lvl4pPr>
-            <a:lvl5pPr marL="8778240" indent="0">
-              <a:buNone/>
-              <a:defRPr sz="4800"/>
+            <a:lvl5pPr marL="10241280" indent="0">
+              <a:buNone/>
+              <a:defRPr sz="5600"/>
             </a:lvl5pPr>
-            <a:lvl6pPr marL="10972800" indent="0">
-              <a:buNone/>
-              <a:defRPr sz="4800"/>
+            <a:lvl6pPr marL="12801600" indent="0">
+              <a:buNone/>
+              <a:defRPr sz="5600"/>
             </a:lvl6pPr>
-            <a:lvl7pPr marL="13167360" indent="0">
-              <a:buNone/>
-              <a:defRPr sz="4800"/>
+            <a:lvl7pPr marL="15361920" indent="0">
+              <a:buNone/>
+              <a:defRPr sz="5600"/>
             </a:lvl7pPr>
-            <a:lvl8pPr marL="15361920" indent="0">
-              <a:buNone/>
-              <a:defRPr sz="4800"/>
+            <a:lvl8pPr marL="17922240" indent="0">
+              <a:buNone/>
+              <a:defRPr sz="5600"/>
             </a:lvl8pPr>
-            <a:lvl9pPr marL="17556480" indent="0">
-              <a:buNone/>
-              <a:defRPr sz="4800"/>
+            <a:lvl9pPr marL="20482560" indent="0">
+              <a:buNone/>
+              <a:defRPr sz="5600"/>
             </a:lvl9pPr>
           </a:lstStyle>
           <a:p>
             <a:pPr lvl="0"/>
             <a:r>
               <a:rPr lang="en-US" smtClean="0"/>
-              <a:t>Click to edit Master text styles</a:t>
+              <a:t>Edit Master text styles</a:t>
             </a:r>
           </a:p>
         </p:txBody>
@@ -2579,7 +2584,7 @@
     </p:spTree>
     <p:extLst>
       <p:ext uri="{BB962C8B-B14F-4D97-AF65-F5344CB8AC3E}">
-        <p14:creationId xmlns:p14="http://schemas.microsoft.com/office/powerpoint/2010/main" val="2199775873"/>
+        <p14:creationId xmlns:p14="http://schemas.microsoft.com/office/powerpoint/2010/main" val="2339169733"/>
       </p:ext>
     </p:extLst>
   </p:cSld>
@@ -2618,15 +2623,15 @@
         </p:nvSpPr>
         <p:spPr>
           <a:xfrm>
-            <a:off x="3023237" y="2194560"/>
-            <a:ext cx="14156054" cy="7680960"/>
+            <a:off x="3527110" y="2560320"/>
+            <a:ext cx="16515397" cy="8961120"/>
           </a:xfrm>
         </p:spPr>
         <p:txBody>
           <a:bodyPr anchor="b"/>
           <a:lstStyle>
             <a:lvl1pPr>
-              <a:defRPr sz="15360"/>
+              <a:defRPr sz="17920"/>
             </a:lvl1pPr>
           </a:lstStyle>
           <a:p>
@@ -2650,8 +2655,8 @@
         </p:nvSpPr>
         <p:spPr>
           <a:xfrm>
-            <a:off x="18659477" y="4739647"/>
-            <a:ext cx="22219920" cy="23393400"/>
+            <a:off x="21769390" y="5529588"/>
+            <a:ext cx="25923240" cy="27292300"/>
           </a:xfrm>
         </p:spPr>
         <p:txBody>
@@ -2659,39 +2664,39 @@
           <a:lstStyle>
             <a:lvl1pPr marL="0" indent="0">
               <a:buNone/>
-              <a:defRPr sz="15360"/>
+              <a:defRPr sz="17920"/>
             </a:lvl1pPr>
-            <a:lvl2pPr marL="2194560" indent="0">
+            <a:lvl2pPr marL="2560320" indent="0">
+              <a:buNone/>
+              <a:defRPr sz="15680"/>
+            </a:lvl2pPr>
+            <a:lvl3pPr marL="5120640" indent="0">
               <a:buNone/>
               <a:defRPr sz="13440"/>
-            </a:lvl2pPr>
-            <a:lvl3pPr marL="4389120" indent="0">
-              <a:buNone/>
-              <a:defRPr sz="11520"/>
             </a:lvl3pPr>
-            <a:lvl4pPr marL="6583680" indent="0">
-              <a:buNone/>
-              <a:defRPr sz="9600"/>
+            <a:lvl4pPr marL="7680960" indent="0">
+              <a:buNone/>
+              <a:defRPr sz="11200"/>
             </a:lvl4pPr>
-            <a:lvl5pPr marL="8778240" indent="0">
-              <a:buNone/>
-              <a:defRPr sz="9600"/>
+            <a:lvl5pPr marL="10241280" indent="0">
+              <a:buNone/>
+              <a:defRPr sz="11200"/>
             </a:lvl5pPr>
-            <a:lvl6pPr marL="10972800" indent="0">
-              <a:buNone/>
-              <a:defRPr sz="9600"/>
+            <a:lvl6pPr marL="12801600" indent="0">
+              <a:buNone/>
+              <a:defRPr sz="11200"/>
             </a:lvl6pPr>
-            <a:lvl7pPr marL="13167360" indent="0">
-              <a:buNone/>
-              <a:defRPr sz="9600"/>
+            <a:lvl7pPr marL="15361920" indent="0">
+              <a:buNone/>
+              <a:defRPr sz="11200"/>
             </a:lvl7pPr>
-            <a:lvl8pPr marL="15361920" indent="0">
-              <a:buNone/>
-              <a:defRPr sz="9600"/>
+            <a:lvl8pPr marL="17922240" indent="0">
+              <a:buNone/>
+              <a:defRPr sz="11200"/>
             </a:lvl8pPr>
-            <a:lvl9pPr marL="17556480" indent="0">
-              <a:buNone/>
-              <a:defRPr sz="9600"/>
+            <a:lvl9pPr marL="20482560" indent="0">
+              <a:buNone/>
+              <a:defRPr sz="11200"/>
             </a:lvl9pPr>
           </a:lstStyle>
           <a:p>
@@ -2715,8 +2720,8 @@
         </p:nvSpPr>
         <p:spPr>
           <a:xfrm>
-            <a:off x="3023237" y="9875520"/>
-            <a:ext cx="14156054" cy="18295622"/>
+            <a:off x="3527110" y="11521440"/>
+            <a:ext cx="16515397" cy="21344893"/>
           </a:xfrm>
         </p:spPr>
         <p:txBody>
@@ -2724,46 +2729,46 @@
           <a:lstStyle>
             <a:lvl1pPr marL="0" indent="0">
               <a:buNone/>
-              <a:defRPr sz="7680"/>
+              <a:defRPr sz="8960"/>
             </a:lvl1pPr>
-            <a:lvl2pPr marL="2194560" indent="0">
+            <a:lvl2pPr marL="2560320" indent="0">
+              <a:buNone/>
+              <a:defRPr sz="7840"/>
+            </a:lvl2pPr>
+            <a:lvl3pPr marL="5120640" indent="0">
               <a:buNone/>
               <a:defRPr sz="6720"/>
-            </a:lvl2pPr>
-            <a:lvl3pPr marL="4389120" indent="0">
-              <a:buNone/>
-              <a:defRPr sz="5760"/>
             </a:lvl3pPr>
-            <a:lvl4pPr marL="6583680" indent="0">
-              <a:buNone/>
-              <a:defRPr sz="4800"/>
+            <a:lvl4pPr marL="7680960" indent="0">
+              <a:buNone/>
+              <a:defRPr sz="5600"/>
             </a:lvl4pPr>
-            <a:lvl5pPr marL="8778240" indent="0">
-              <a:buNone/>
-              <a:defRPr sz="4800"/>
+            <a:lvl5pPr marL="10241280" indent="0">
+              <a:buNone/>
+              <a:defRPr sz="5600"/>
             </a:lvl5pPr>
-            <a:lvl6pPr marL="10972800" indent="0">
-              <a:buNone/>
-              <a:defRPr sz="4800"/>
+            <a:lvl6pPr marL="12801600" indent="0">
+              <a:buNone/>
+              <a:defRPr sz="5600"/>
             </a:lvl6pPr>
-            <a:lvl7pPr marL="13167360" indent="0">
-              <a:buNone/>
-              <a:defRPr sz="4800"/>
+            <a:lvl7pPr marL="15361920" indent="0">
+              <a:buNone/>
+              <a:defRPr sz="5600"/>
             </a:lvl7pPr>
-            <a:lvl8pPr marL="15361920" indent="0">
-              <a:buNone/>
-              <a:defRPr sz="4800"/>
+            <a:lvl8pPr marL="17922240" indent="0">
+              <a:buNone/>
+              <a:defRPr sz="5600"/>
             </a:lvl8pPr>
-            <a:lvl9pPr marL="17556480" indent="0">
-              <a:buNone/>
-              <a:defRPr sz="4800"/>
+            <a:lvl9pPr marL="20482560" indent="0">
+              <a:buNone/>
+              <a:defRPr sz="5600"/>
             </a:lvl9pPr>
           </a:lstStyle>
           <a:p>
             <a:pPr lvl="0"/>
             <a:r>
               <a:rPr lang="en-US" smtClean="0"/>
-              <a:t>Click to edit Master text styles</a:t>
+              <a:t>Edit Master text styles</a:t>
             </a:r>
           </a:p>
         </p:txBody>
@@ -2836,7 +2841,7 @@
     </p:spTree>
     <p:extLst>
       <p:ext uri="{BB962C8B-B14F-4D97-AF65-F5344CB8AC3E}">
-        <p14:creationId xmlns:p14="http://schemas.microsoft.com/office/powerpoint/2010/main" val="1215463808"/>
+        <p14:creationId xmlns:p14="http://schemas.microsoft.com/office/powerpoint/2010/main" val="2704943898"/>
       </p:ext>
     </p:extLst>
   </p:cSld>
@@ -2880,8 +2885,8 @@
         </p:nvSpPr>
         <p:spPr>
           <a:xfrm>
-            <a:off x="3017520" y="1752607"/>
-            <a:ext cx="37856160" cy="6362702"/>
+            <a:off x="3520440" y="2044708"/>
+            <a:ext cx="44165520" cy="7423153"/>
           </a:xfrm>
           <a:prstGeom prst="rect">
             <a:avLst/>
@@ -2913,8 +2918,8 @@
         </p:nvSpPr>
         <p:spPr>
           <a:xfrm>
-            <a:off x="3017520" y="8763000"/>
-            <a:ext cx="37856160" cy="20886422"/>
+            <a:off x="3520440" y="10223500"/>
+            <a:ext cx="44165520" cy="24367493"/>
           </a:xfrm>
           <a:prstGeom prst="rect">
             <a:avLst/>
@@ -2929,7 +2934,7 @@
             <a:pPr lvl="0"/>
             <a:r>
               <a:rPr lang="en-US" smtClean="0"/>
-              <a:t>Click to edit Master text styles</a:t>
+              <a:t>Edit Master text styles</a:t>
             </a:r>
           </a:p>
           <a:p>
@@ -2975,8 +2980,8 @@
         </p:nvSpPr>
         <p:spPr>
           <a:xfrm>
-            <a:off x="3017520" y="30510487"/>
-            <a:ext cx="9875520" cy="1752600"/>
+            <a:off x="3520440" y="35595568"/>
+            <a:ext cx="11521440" cy="2044700"/>
           </a:xfrm>
           <a:prstGeom prst="rect">
             <a:avLst/>
@@ -2986,7 +2991,7 @@
           <a:bodyPr vert="horz" lIns="91440" tIns="45720" rIns="91440" bIns="45720" rtlCol="0" anchor="ctr"/>
           <a:lstStyle>
             <a:lvl1pPr algn="l">
-              <a:defRPr sz="5760">
+              <a:defRPr sz="6720">
                 <a:solidFill>
                   <a:schemeClr val="tx1">
                     <a:tint val="75000"/>
@@ -3016,8 +3021,8 @@
         </p:nvSpPr>
         <p:spPr>
           <a:xfrm>
-            <a:off x="14538960" y="30510487"/>
-            <a:ext cx="14813280" cy="1752600"/>
+            <a:off x="16962120" y="35595568"/>
+            <a:ext cx="17282160" cy="2044700"/>
           </a:xfrm>
           <a:prstGeom prst="rect">
             <a:avLst/>
@@ -3027,7 +3032,7 @@
           <a:bodyPr vert="horz" lIns="91440" tIns="45720" rIns="91440" bIns="45720" rtlCol="0" anchor="ctr"/>
           <a:lstStyle>
             <a:lvl1pPr algn="ctr">
-              <a:defRPr sz="5760">
+              <a:defRPr sz="6720">
                 <a:solidFill>
                   <a:schemeClr val="tx1">
                     <a:tint val="75000"/>
@@ -3053,8 +3058,8 @@
         </p:nvSpPr>
         <p:spPr>
           <a:xfrm>
-            <a:off x="30998160" y="30510487"/>
-            <a:ext cx="9875520" cy="1752600"/>
+            <a:off x="36164520" y="35595568"/>
+            <a:ext cx="11521440" cy="2044700"/>
           </a:xfrm>
           <a:prstGeom prst="rect">
             <a:avLst/>
@@ -3064,7 +3069,7 @@
           <a:bodyPr vert="horz" lIns="91440" tIns="45720" rIns="91440" bIns="45720" rtlCol="0" anchor="ctr"/>
           <a:lstStyle>
             <a:lvl1pPr algn="r">
-              <a:defRPr sz="5760">
+              <a:defRPr sz="6720">
                 <a:solidFill>
                   <a:schemeClr val="tx1">
                     <a:tint val="75000"/>
@@ -3085,27 +3090,27 @@
     </p:spTree>
     <p:extLst>
       <p:ext uri="{BB962C8B-B14F-4D97-AF65-F5344CB8AC3E}">
-        <p14:creationId xmlns:p14="http://schemas.microsoft.com/office/powerpoint/2010/main" val="2444593393"/>
+        <p14:creationId xmlns:p14="http://schemas.microsoft.com/office/powerpoint/2010/main" val="2192133081"/>
       </p:ext>
     </p:extLst>
   </p:cSld>
   <p:clrMap bg1="lt1" tx1="dk1" bg2="lt2" tx2="dk2" accent1="accent1" accent2="accent2" accent3="accent3" accent4="accent4" accent5="accent5" accent6="accent6" hlink="hlink" folHlink="folHlink"/>
   <p:sldLayoutIdLst>
-    <p:sldLayoutId id="2147483661" r:id="rId1"/>
-    <p:sldLayoutId id="2147483662" r:id="rId2"/>
-    <p:sldLayoutId id="2147483663" r:id="rId3"/>
-    <p:sldLayoutId id="2147483664" r:id="rId4"/>
-    <p:sldLayoutId id="2147483665" r:id="rId5"/>
-    <p:sldLayoutId id="2147483666" r:id="rId6"/>
-    <p:sldLayoutId id="2147483667" r:id="rId7"/>
-    <p:sldLayoutId id="2147483668" r:id="rId8"/>
-    <p:sldLayoutId id="2147483669" r:id="rId9"/>
-    <p:sldLayoutId id="2147483670" r:id="rId10"/>
-    <p:sldLayoutId id="2147483671" r:id="rId11"/>
+    <p:sldLayoutId id="2147483673" r:id="rId1"/>
+    <p:sldLayoutId id="2147483674" r:id="rId2"/>
+    <p:sldLayoutId id="2147483675" r:id="rId3"/>
+    <p:sldLayoutId id="2147483676" r:id="rId4"/>
+    <p:sldLayoutId id="2147483677" r:id="rId5"/>
+    <p:sldLayoutId id="2147483678" r:id="rId6"/>
+    <p:sldLayoutId id="2147483679" r:id="rId7"/>
+    <p:sldLayoutId id="2147483680" r:id="rId8"/>
+    <p:sldLayoutId id="2147483681" r:id="rId9"/>
+    <p:sldLayoutId id="2147483682" r:id="rId10"/>
+    <p:sldLayoutId id="2147483683" r:id="rId11"/>
   </p:sldLayoutIdLst>
   <p:txStyles>
     <p:titleStyle>
-      <a:lvl1pPr algn="l" defTabSz="4389120" rtl="0" eaLnBrk="1" latinLnBrk="0" hangingPunct="1">
+      <a:lvl1pPr algn="l" defTabSz="5120640" rtl="0" eaLnBrk="1" latinLnBrk="0" hangingPunct="1">
         <a:lnSpc>
           <a:spcPct val="90000"/>
         </a:lnSpc>
@@ -3113,7 +3118,7 @@
           <a:spcPct val="0"/>
         </a:spcBef>
         <a:buNone/>
-        <a:defRPr sz="21120" kern="1200">
+        <a:defRPr sz="24640" kern="1200">
           <a:solidFill>
             <a:schemeClr val="tx1"/>
           </a:solidFill>
@@ -3124,12 +3129,30 @@
       </a:lvl1pPr>
     </p:titleStyle>
     <p:bodyStyle>
-      <a:lvl1pPr marL="1097280" indent="-1097280" algn="l" defTabSz="4389120" rtl="0" eaLnBrk="1" latinLnBrk="0" hangingPunct="1">
+      <a:lvl1pPr marL="1280160" indent="-1280160" algn="l" defTabSz="5120640" rtl="0" eaLnBrk="1" latinLnBrk="0" hangingPunct="1">
         <a:lnSpc>
           <a:spcPct val="90000"/>
         </a:lnSpc>
         <a:spcBef>
-          <a:spcPts val="4800"/>
+          <a:spcPts val="5600"/>
+        </a:spcBef>
+        <a:buFont typeface="Arial" panose="020B0604020202020204" pitchFamily="34" charset="0"/>
+        <a:buChar char="•"/>
+        <a:defRPr sz="15680" kern="1200">
+          <a:solidFill>
+            <a:schemeClr val="tx1"/>
+          </a:solidFill>
+          <a:latin typeface="+mn-lt"/>
+          <a:ea typeface="+mn-ea"/>
+          <a:cs typeface="+mn-cs"/>
+        </a:defRPr>
+      </a:lvl1pPr>
+      <a:lvl2pPr marL="3840480" indent="-1280160" algn="l" defTabSz="5120640" rtl="0" eaLnBrk="1" latinLnBrk="0" hangingPunct="1">
+        <a:lnSpc>
+          <a:spcPct val="90000"/>
+        </a:lnSpc>
+        <a:spcBef>
+          <a:spcPts val="2800"/>
         </a:spcBef>
         <a:buFont typeface="Arial" panose="020B0604020202020204" pitchFamily="34" charset="0"/>
         <a:buChar char="•"/>
@@ -3141,35 +3164,17 @@
           <a:ea typeface="+mn-ea"/>
           <a:cs typeface="+mn-cs"/>
         </a:defRPr>
-      </a:lvl1pPr>
-      <a:lvl2pPr marL="3291840" indent="-1097280" algn="l" defTabSz="4389120" rtl="0" eaLnBrk="1" latinLnBrk="0" hangingPunct="1">
+      </a:lvl2pPr>
+      <a:lvl3pPr marL="6400800" indent="-1280160" algn="l" defTabSz="5120640" rtl="0" eaLnBrk="1" latinLnBrk="0" hangingPunct="1">
         <a:lnSpc>
           <a:spcPct val="90000"/>
         </a:lnSpc>
         <a:spcBef>
-          <a:spcPts val="2400"/>
+          <a:spcPts val="2800"/>
         </a:spcBef>
         <a:buFont typeface="Arial" panose="020B0604020202020204" pitchFamily="34" charset="0"/>
         <a:buChar char="•"/>
-        <a:defRPr sz="11520" kern="1200">
-          <a:solidFill>
-            <a:schemeClr val="tx1"/>
-          </a:solidFill>
-          <a:latin typeface="+mn-lt"/>
-          <a:ea typeface="+mn-ea"/>
-          <a:cs typeface="+mn-cs"/>
-        </a:defRPr>
-      </a:lvl2pPr>
-      <a:lvl3pPr marL="5486400" indent="-1097280" algn="l" defTabSz="4389120" rtl="0" eaLnBrk="1" latinLnBrk="0" hangingPunct="1">
-        <a:lnSpc>
-          <a:spcPct val="90000"/>
-        </a:lnSpc>
-        <a:spcBef>
-          <a:spcPts val="2400"/>
-        </a:spcBef>
-        <a:buFont typeface="Arial" panose="020B0604020202020204" pitchFamily="34" charset="0"/>
-        <a:buChar char="•"/>
-        <a:defRPr sz="9600" kern="1200">
+        <a:defRPr sz="11200" kern="1200">
           <a:solidFill>
             <a:schemeClr val="tx1"/>
           </a:solidFill>
@@ -3178,16 +3183,16 @@
           <a:cs typeface="+mn-cs"/>
         </a:defRPr>
       </a:lvl3pPr>
-      <a:lvl4pPr marL="7680960" indent="-1097280" algn="l" defTabSz="4389120" rtl="0" eaLnBrk="1" latinLnBrk="0" hangingPunct="1">
+      <a:lvl4pPr marL="8961120" indent="-1280160" algn="l" defTabSz="5120640" rtl="0" eaLnBrk="1" latinLnBrk="0" hangingPunct="1">
         <a:lnSpc>
           <a:spcPct val="90000"/>
         </a:lnSpc>
         <a:spcBef>
-          <a:spcPts val="2400"/>
+          <a:spcPts val="2800"/>
         </a:spcBef>
         <a:buFont typeface="Arial" panose="020B0604020202020204" pitchFamily="34" charset="0"/>
         <a:buChar char="•"/>
-        <a:defRPr sz="8640" kern="1200">
+        <a:defRPr sz="10080" kern="1200">
           <a:solidFill>
             <a:schemeClr val="tx1"/>
           </a:solidFill>
@@ -3196,16 +3201,16 @@
           <a:cs typeface="+mn-cs"/>
         </a:defRPr>
       </a:lvl4pPr>
-      <a:lvl5pPr marL="9875520" indent="-1097280" algn="l" defTabSz="4389120" rtl="0" eaLnBrk="1" latinLnBrk="0" hangingPunct="1">
+      <a:lvl5pPr marL="11521440" indent="-1280160" algn="l" defTabSz="5120640" rtl="0" eaLnBrk="1" latinLnBrk="0" hangingPunct="1">
         <a:lnSpc>
           <a:spcPct val="90000"/>
         </a:lnSpc>
         <a:spcBef>
-          <a:spcPts val="2400"/>
+          <a:spcPts val="2800"/>
         </a:spcBef>
         <a:buFont typeface="Arial" panose="020B0604020202020204" pitchFamily="34" charset="0"/>
         <a:buChar char="•"/>
-        <a:defRPr sz="8640" kern="1200">
+        <a:defRPr sz="10080" kern="1200">
           <a:solidFill>
             <a:schemeClr val="tx1"/>
           </a:solidFill>
@@ -3214,16 +3219,16 @@
           <a:cs typeface="+mn-cs"/>
         </a:defRPr>
       </a:lvl5pPr>
-      <a:lvl6pPr marL="12070080" indent="-1097280" algn="l" defTabSz="4389120" rtl="0" eaLnBrk="1" latinLnBrk="0" hangingPunct="1">
+      <a:lvl6pPr marL="14081760" indent="-1280160" algn="l" defTabSz="5120640" rtl="0" eaLnBrk="1" latinLnBrk="0" hangingPunct="1">
         <a:lnSpc>
           <a:spcPct val="90000"/>
         </a:lnSpc>
         <a:spcBef>
-          <a:spcPts val="2400"/>
+          <a:spcPts val="2800"/>
         </a:spcBef>
         <a:buFont typeface="Arial" panose="020B0604020202020204" pitchFamily="34" charset="0"/>
         <a:buChar char="•"/>
-        <a:defRPr sz="8640" kern="1200">
+        <a:defRPr sz="10080" kern="1200">
           <a:solidFill>
             <a:schemeClr val="tx1"/>
           </a:solidFill>
@@ -3232,16 +3237,16 @@
           <a:cs typeface="+mn-cs"/>
         </a:defRPr>
       </a:lvl6pPr>
-      <a:lvl7pPr marL="14264640" indent="-1097280" algn="l" defTabSz="4389120" rtl="0" eaLnBrk="1" latinLnBrk="0" hangingPunct="1">
+      <a:lvl7pPr marL="16642080" indent="-1280160" algn="l" defTabSz="5120640" rtl="0" eaLnBrk="1" latinLnBrk="0" hangingPunct="1">
         <a:lnSpc>
           <a:spcPct val="90000"/>
         </a:lnSpc>
         <a:spcBef>
-          <a:spcPts val="2400"/>
+          <a:spcPts val="2800"/>
         </a:spcBef>
         <a:buFont typeface="Arial" panose="020B0604020202020204" pitchFamily="34" charset="0"/>
         <a:buChar char="•"/>
-        <a:defRPr sz="8640" kern="1200">
+        <a:defRPr sz="10080" kern="1200">
           <a:solidFill>
             <a:schemeClr val="tx1"/>
           </a:solidFill>
@@ -3250,16 +3255,16 @@
           <a:cs typeface="+mn-cs"/>
         </a:defRPr>
       </a:lvl7pPr>
-      <a:lvl8pPr marL="16459200" indent="-1097280" algn="l" defTabSz="4389120" rtl="0" eaLnBrk="1" latinLnBrk="0" hangingPunct="1">
+      <a:lvl8pPr marL="19202400" indent="-1280160" algn="l" defTabSz="5120640" rtl="0" eaLnBrk="1" latinLnBrk="0" hangingPunct="1">
         <a:lnSpc>
           <a:spcPct val="90000"/>
         </a:lnSpc>
         <a:spcBef>
-          <a:spcPts val="2400"/>
+          <a:spcPts val="2800"/>
         </a:spcBef>
         <a:buFont typeface="Arial" panose="020B0604020202020204" pitchFamily="34" charset="0"/>
         <a:buChar char="•"/>
-        <a:defRPr sz="8640" kern="1200">
+        <a:defRPr sz="10080" kern="1200">
           <a:solidFill>
             <a:schemeClr val="tx1"/>
           </a:solidFill>
@@ -3268,16 +3273,16 @@
           <a:cs typeface="+mn-cs"/>
         </a:defRPr>
       </a:lvl8pPr>
-      <a:lvl9pPr marL="18653760" indent="-1097280" algn="l" defTabSz="4389120" rtl="0" eaLnBrk="1" latinLnBrk="0" hangingPunct="1">
+      <a:lvl9pPr marL="21762720" indent="-1280160" algn="l" defTabSz="5120640" rtl="0" eaLnBrk="1" latinLnBrk="0" hangingPunct="1">
         <a:lnSpc>
           <a:spcPct val="90000"/>
         </a:lnSpc>
         <a:spcBef>
-          <a:spcPts val="2400"/>
+          <a:spcPts val="2800"/>
         </a:spcBef>
         <a:buFont typeface="Arial" panose="020B0604020202020204" pitchFamily="34" charset="0"/>
         <a:buChar char="•"/>
-        <a:defRPr sz="8640" kern="1200">
+        <a:defRPr sz="10080" kern="1200">
           <a:solidFill>
             <a:schemeClr val="tx1"/>
           </a:solidFill>
@@ -3291,8 +3296,8 @@
       <a:defPPr>
         <a:defRPr lang="en-US"/>
       </a:defPPr>
-      <a:lvl1pPr marL="0" algn="l" defTabSz="4389120" rtl="0" eaLnBrk="1" latinLnBrk="0" hangingPunct="1">
-        <a:defRPr sz="8640" kern="1200">
+      <a:lvl1pPr marL="0" algn="l" defTabSz="5120640" rtl="0" eaLnBrk="1" latinLnBrk="0" hangingPunct="1">
+        <a:defRPr sz="10080" kern="1200">
           <a:solidFill>
             <a:schemeClr val="tx1"/>
           </a:solidFill>
@@ -3301,8 +3306,8 @@
           <a:cs typeface="+mn-cs"/>
         </a:defRPr>
       </a:lvl1pPr>
-      <a:lvl2pPr marL="2194560" algn="l" defTabSz="4389120" rtl="0" eaLnBrk="1" latinLnBrk="0" hangingPunct="1">
-        <a:defRPr sz="8640" kern="1200">
+      <a:lvl2pPr marL="2560320" algn="l" defTabSz="5120640" rtl="0" eaLnBrk="1" latinLnBrk="0" hangingPunct="1">
+        <a:defRPr sz="10080" kern="1200">
           <a:solidFill>
             <a:schemeClr val="tx1"/>
           </a:solidFill>
@@ -3311,8 +3316,8 @@
           <a:cs typeface="+mn-cs"/>
         </a:defRPr>
       </a:lvl2pPr>
-      <a:lvl3pPr marL="4389120" algn="l" defTabSz="4389120" rtl="0" eaLnBrk="1" latinLnBrk="0" hangingPunct="1">
-        <a:defRPr sz="8640" kern="1200">
+      <a:lvl3pPr marL="5120640" algn="l" defTabSz="5120640" rtl="0" eaLnBrk="1" latinLnBrk="0" hangingPunct="1">
+        <a:defRPr sz="10080" kern="1200">
           <a:solidFill>
             <a:schemeClr val="tx1"/>
           </a:solidFill>
@@ -3321,8 +3326,8 @@
           <a:cs typeface="+mn-cs"/>
         </a:defRPr>
       </a:lvl3pPr>
-      <a:lvl4pPr marL="6583680" algn="l" defTabSz="4389120" rtl="0" eaLnBrk="1" latinLnBrk="0" hangingPunct="1">
-        <a:defRPr sz="8640" kern="1200">
+      <a:lvl4pPr marL="7680960" algn="l" defTabSz="5120640" rtl="0" eaLnBrk="1" latinLnBrk="0" hangingPunct="1">
+        <a:defRPr sz="10080" kern="1200">
           <a:solidFill>
             <a:schemeClr val="tx1"/>
           </a:solidFill>
@@ -3331,8 +3336,8 @@
           <a:cs typeface="+mn-cs"/>
         </a:defRPr>
       </a:lvl4pPr>
-      <a:lvl5pPr marL="8778240" algn="l" defTabSz="4389120" rtl="0" eaLnBrk="1" latinLnBrk="0" hangingPunct="1">
-        <a:defRPr sz="8640" kern="1200">
+      <a:lvl5pPr marL="10241280" algn="l" defTabSz="5120640" rtl="0" eaLnBrk="1" latinLnBrk="0" hangingPunct="1">
+        <a:defRPr sz="10080" kern="1200">
           <a:solidFill>
             <a:schemeClr val="tx1"/>
           </a:solidFill>
@@ -3341,8 +3346,8 @@
           <a:cs typeface="+mn-cs"/>
         </a:defRPr>
       </a:lvl5pPr>
-      <a:lvl6pPr marL="10972800" algn="l" defTabSz="4389120" rtl="0" eaLnBrk="1" latinLnBrk="0" hangingPunct="1">
-        <a:defRPr sz="8640" kern="1200">
+      <a:lvl6pPr marL="12801600" algn="l" defTabSz="5120640" rtl="0" eaLnBrk="1" latinLnBrk="0" hangingPunct="1">
+        <a:defRPr sz="10080" kern="1200">
           <a:solidFill>
             <a:schemeClr val="tx1"/>
           </a:solidFill>
@@ -3351,8 +3356,8 @@
           <a:cs typeface="+mn-cs"/>
         </a:defRPr>
       </a:lvl6pPr>
-      <a:lvl7pPr marL="13167360" algn="l" defTabSz="4389120" rtl="0" eaLnBrk="1" latinLnBrk="0" hangingPunct="1">
-        <a:defRPr sz="8640" kern="1200">
+      <a:lvl7pPr marL="15361920" algn="l" defTabSz="5120640" rtl="0" eaLnBrk="1" latinLnBrk="0" hangingPunct="1">
+        <a:defRPr sz="10080" kern="1200">
           <a:solidFill>
             <a:schemeClr val="tx1"/>
           </a:solidFill>
@@ -3361,8 +3366,8 @@
           <a:cs typeface="+mn-cs"/>
         </a:defRPr>
       </a:lvl7pPr>
-      <a:lvl8pPr marL="15361920" algn="l" defTabSz="4389120" rtl="0" eaLnBrk="1" latinLnBrk="0" hangingPunct="1">
-        <a:defRPr sz="8640" kern="1200">
+      <a:lvl8pPr marL="17922240" algn="l" defTabSz="5120640" rtl="0" eaLnBrk="1" latinLnBrk="0" hangingPunct="1">
+        <a:defRPr sz="10080" kern="1200">
           <a:solidFill>
             <a:schemeClr val="tx1"/>
           </a:solidFill>
@@ -3371,8 +3376,8 @@
           <a:cs typeface="+mn-cs"/>
         </a:defRPr>
       </a:lvl8pPr>
-      <a:lvl9pPr marL="17556480" algn="l" defTabSz="4389120" rtl="0" eaLnBrk="1" latinLnBrk="0" hangingPunct="1">
-        <a:defRPr sz="8640" kern="1200">
+      <a:lvl9pPr marL="20482560" algn="l" defTabSz="5120640" rtl="0" eaLnBrk="1" latinLnBrk="0" hangingPunct="1">
+        <a:defRPr sz="10080" kern="1200">
           <a:solidFill>
             <a:schemeClr val="tx1"/>
           </a:solidFill>
@@ -3411,8 +3416,8 @@
         </p:nvSpPr>
         <p:spPr>
           <a:xfrm>
-            <a:off x="460373" y="0"/>
-            <a:ext cx="42973628" cy="4646768"/>
+            <a:off x="537102" y="1018918"/>
+            <a:ext cx="50135899" cy="4343959"/>
           </a:xfrm>
           <a:prstGeom prst="rect">
             <a:avLst/>
@@ -3431,83 +3436,87 @@
         </p:spPr>
         <p:txBody>
           <a:bodyPr wrap="square" rtlCol="0">
-            <a:spAutoFit/>
+            <a:noAutofit/>
           </a:bodyPr>
           <a:lstStyle/>
           <a:p>
             <a:pPr algn="ctr"/>
             <a:r>
-              <a:rPr lang="en-US" sz="8800" b="1" dirty="0" smtClean="0"/>
+              <a:rPr lang="en-US" sz="10267" b="1" dirty="0" smtClean="0"/>
               <a:t>Effect </a:t>
             </a:r>
             <a:r>
-              <a:rPr lang="en-US" sz="8800" b="1" dirty="0"/>
-              <a:t>of Ethosuximide Treatment During Neural Development on Adult </a:t>
-            </a:r>
-            <a:r>
-              <a:rPr lang="en-US" sz="8800" b="1" dirty="0" smtClean="0"/>
+              <a:rPr lang="en-US" sz="10267" b="1" dirty="0"/>
+              <a:t>of </a:t>
+            </a:r>
+            <a:r>
+              <a:rPr lang="en-US" sz="10267" b="1" dirty="0"/>
+              <a:t>Ethosuximide Treatment During Neural Development on Adult </a:t>
+            </a:r>
+            <a:r>
+              <a:rPr lang="en-US" sz="10267" b="1" dirty="0"/>
               <a:t>Behavior</a:t>
             </a:r>
           </a:p>
           <a:p>
             <a:pPr algn="ctr"/>
             <a:r>
-              <a:rPr lang="en-US" sz="6600" b="1" dirty="0" smtClean="0"/>
+              <a:rPr lang="en-US" sz="7700" b="1" dirty="0"/>
               <a:t>Alexa Gracias</a:t>
             </a:r>
             <a:r>
-              <a:rPr lang="en-US" sz="6600" b="1" baseline="30000" dirty="0" smtClean="0"/>
+              <a:rPr lang="en-US" sz="7700" b="1" baseline="30000" dirty="0"/>
               <a:t>1,2</a:t>
             </a:r>
             <a:r>
-              <a:rPr lang="en-US" sz="6600" b="1" dirty="0" smtClean="0"/>
+              <a:rPr lang="en-US" sz="7700" b="1" dirty="0"/>
               <a:t>, Viktoria Usova</a:t>
             </a:r>
             <a:r>
-              <a:rPr lang="en-US" sz="6600" b="1" baseline="30000" dirty="0" smtClean="0"/>
+              <a:rPr lang="en-US" sz="7700" b="1" baseline="30000" dirty="0"/>
               <a:t>1,2</a:t>
             </a:r>
             <a:r>
-              <a:rPr lang="en-US" sz="6600" b="1" dirty="0" smtClean="0"/>
+              <a:rPr lang="en-US" sz="7700" b="1" dirty="0"/>
               <a:t>, Mark Beenhakker</a:t>
             </a:r>
             <a:r>
-              <a:rPr lang="en-US" sz="6600" b="1" baseline="30000" dirty="0" smtClean="0"/>
+              <a:rPr lang="en-US" sz="7700" b="1" baseline="30000" dirty="0"/>
               <a:t>1 </a:t>
             </a:r>
-            <a:endParaRPr lang="en-US" sz="6600" b="1" dirty="0" smtClean="0"/>
+            <a:endParaRPr lang="en-US" sz="7700" b="1" dirty="0"/>
           </a:p>
           <a:p>
             <a:pPr algn="ctr"/>
             <a:r>
-              <a:rPr lang="en-US" sz="4800" b="1" dirty="0" smtClean="0"/>
+              <a:rPr lang="en-US" sz="5600" b="1" dirty="0"/>
               <a:t>Pharmacology Department</a:t>
             </a:r>
             <a:r>
-              <a:rPr lang="en-US" sz="4800" b="1" baseline="30000" dirty="0" smtClean="0"/>
+              <a:rPr lang="en-US" sz="5600" b="1" baseline="30000" dirty="0"/>
               <a:t>1</a:t>
             </a:r>
             <a:r>
-              <a:rPr lang="en-US" sz="4800" b="1" dirty="0" smtClean="0"/>
+              <a:rPr lang="en-US" sz="5600" b="1" dirty="0"/>
               <a:t> and Neuroscience Undergraduate Program</a:t>
             </a:r>
             <a:r>
-              <a:rPr lang="en-US" sz="4800" b="1" baseline="30000" dirty="0" smtClean="0"/>
+              <a:rPr lang="en-US" sz="5600" b="1" baseline="30000" dirty="0"/>
               <a:t>2</a:t>
             </a:r>
             <a:r>
-              <a:rPr lang="en-US" sz="4800" b="1" dirty="0" smtClean="0"/>
+              <a:rPr lang="en-US" sz="5600" b="1" dirty="0"/>
               <a:t>, University of Virginia, Charlottesville, VA</a:t>
             </a:r>
-            <a:endParaRPr lang="en-US" sz="4800" b="1" dirty="0"/>
+            <a:endParaRPr lang="en-US" sz="5600" b="1" dirty="0"/>
           </a:p>
           <a:p>
             <a:pPr algn="ctr"/>
-            <a:endParaRPr lang="en-US" sz="4800" b="1" dirty="0" smtClean="0"/>
+            <a:endParaRPr lang="en-US" sz="5600" b="1" dirty="0"/>
           </a:p>
           <a:p>
             <a:pPr algn="ctr"/>
-            <a:endParaRPr lang="en-US" sz="4800" b="1" dirty="0" smtClean="0"/>
+            <a:endParaRPr lang="en-US" sz="5600" b="1" dirty="0"/>
           </a:p>
         </p:txBody>
       </p:sp>
@@ -3519,8 +3528,8 @@
         </p:nvSpPr>
         <p:spPr>
           <a:xfrm>
-            <a:off x="460373" y="4822667"/>
-            <a:ext cx="14267998" cy="10350206"/>
+            <a:off x="537102" y="5626446"/>
+            <a:ext cx="16645998" cy="12276887"/>
           </a:xfrm>
           <a:prstGeom prst="rect">
             <a:avLst/>
@@ -3540,7 +3549,7 @@
           <a:p>
             <a:pPr algn="ctr"/>
             <a:r>
-              <a:rPr lang="en-US" b="1" dirty="0" smtClean="0">
+              <a:rPr lang="en-US" sz="9878" b="1" dirty="0">
                 <a:solidFill>
                   <a:srgbClr val="FA9892"/>
                 </a:solidFill>
@@ -3549,48 +3558,60 @@
             </a:r>
           </a:p>
           <a:p>
-            <a:pPr marL="1143000" indent="-1143000">
+            <a:pPr marL="1333538" indent="-1333538">
               <a:buFont typeface="Wingdings" panose="05000000000000000000" pitchFamily="2" charset="2"/>
               <a:buChar char="v"/>
             </a:pPr>
             <a:r>
-              <a:rPr lang="en-US" sz="5400" dirty="0" smtClean="0"/>
+              <a:rPr lang="en-US" sz="6300" dirty="0"/>
               <a:t>Childhood Absence Epilepsy is the most common pediatric epilepsy</a:t>
             </a:r>
           </a:p>
           <a:p>
-            <a:pPr marL="1143000" indent="-1143000">
+            <a:pPr marL="1333538" indent="-1333538">
               <a:buFont typeface="Wingdings" panose="05000000000000000000" pitchFamily="2" charset="2"/>
               <a:buChar char="v"/>
             </a:pPr>
             <a:r>
-              <a:rPr lang="en-US" sz="5400" dirty="0" smtClean="0"/>
+              <a:rPr lang="en-US" sz="6300" dirty="0"/>
               <a:t>Current treatment is administered during a crucial period for neural development</a:t>
             </a:r>
           </a:p>
           <a:p>
-            <a:pPr marL="1143000" indent="-1143000">
+            <a:pPr marL="1333538" indent="-1333538">
               <a:buFont typeface="Wingdings" panose="05000000000000000000" pitchFamily="2" charset="2"/>
               <a:buChar char="v"/>
             </a:pPr>
             <a:r>
-              <a:rPr lang="en-US" sz="5400" dirty="0" smtClean="0"/>
+              <a:rPr lang="en-US" sz="6300" dirty="0"/>
               <a:t>Effect of treatment on normal neural development is unknown</a:t>
             </a:r>
           </a:p>
           <a:p>
-            <a:pPr marL="1143000" indent="-1143000">
+            <a:pPr marL="1333538" indent="-1333538">
               <a:buFont typeface="Wingdings" panose="05000000000000000000" pitchFamily="2" charset="2"/>
               <a:buChar char="v"/>
             </a:pPr>
             <a:r>
-              <a:rPr lang="en-US" sz="5400" dirty="0" smtClean="0"/>
-              <a:t>Among common treatments, ethosuximide is most effective with reduced side effects</a:t>
-            </a:r>
-          </a:p>
-          <a:p>
-            <a:r>
-              <a:rPr lang="en-US" sz="5400" dirty="0" smtClean="0">
+              <a:rPr lang="en-US" sz="6300" dirty="0"/>
+              <a:t>Among common treatments, ethosuximide</a:t>
+            </a:r>
+            <a:r>
+              <a:rPr lang="en-US" sz="6300" dirty="0"/>
+              <a:t> is most effective with </a:t>
+            </a:r>
+            <a:r>
+              <a:rPr lang="en-US" sz="6300" dirty="0" smtClean="0"/>
+              <a:t>fewer </a:t>
+            </a:r>
+            <a:r>
+              <a:rPr lang="en-US" sz="6300" dirty="0"/>
+              <a:t>side effects</a:t>
+            </a:r>
+          </a:p>
+          <a:p>
+            <a:r>
+              <a:rPr lang="en-US" sz="6300" dirty="0">
                 <a:solidFill>
                   <a:schemeClr val="accent1">
                     <a:lumMod val="75000"/>
@@ -3600,7 +3621,7 @@
               <a:t>   </a:t>
             </a:r>
             <a:r>
-              <a:rPr lang="en-US" sz="5400" b="1" dirty="0" smtClean="0">
+              <a:rPr lang="en-US" sz="6300" b="1" dirty="0">
                 <a:solidFill>
                   <a:schemeClr val="accent1">
                     <a:lumMod val="75000"/>
@@ -3609,7 +3630,7 @@
               </a:rPr>
               <a:t>Aim: Determine whether chronic ethosuximide treatment during neural development influences adult behavior.</a:t>
             </a:r>
-            <a:endParaRPr lang="en-US" sz="5400" b="1" dirty="0">
+            <a:endParaRPr lang="en-US" sz="6300" b="1" dirty="0">
               <a:solidFill>
                 <a:schemeClr val="accent1">
                   <a:lumMod val="75000"/>
@@ -3627,8 +3648,8 @@
         </p:nvSpPr>
         <p:spPr>
           <a:xfrm>
-            <a:off x="460374" y="15172874"/>
-            <a:ext cx="14267995" cy="16651244"/>
+            <a:off x="537104" y="17903333"/>
+            <a:ext cx="16645994" cy="19224805"/>
           </a:xfrm>
           <a:prstGeom prst="rect">
             <a:avLst/>
@@ -3648,7 +3669,7 @@
           <a:p>
             <a:pPr algn="ctr"/>
             <a:r>
-              <a:rPr lang="en-US" b="1" dirty="0" smtClean="0">
+              <a:rPr lang="en-US" sz="9878" b="1" dirty="0">
                 <a:solidFill>
                   <a:srgbClr val="FA9892"/>
                 </a:solidFill>
@@ -3657,147 +3678,143 @@
             </a:r>
           </a:p>
           <a:p>
-            <a:endParaRPr lang="es-US" dirty="0"/>
-          </a:p>
-          <a:p>
-            <a:endParaRPr lang="es-US" dirty="0" smtClean="0"/>
-          </a:p>
-          <a:p>
-            <a:endParaRPr lang="es-US" dirty="0"/>
-          </a:p>
-          <a:p>
-            <a:endParaRPr lang="es-US" dirty="0" smtClean="0"/>
-          </a:p>
-          <a:p>
-            <a:endParaRPr lang="es-US" dirty="0"/>
-          </a:p>
-          <a:p>
-            <a:r>
-              <a:rPr lang="en-US" sz="5400" dirty="0" smtClean="0"/>
+            <a:endParaRPr lang="es-US" sz="9878" dirty="0"/>
+          </a:p>
+          <a:p>
+            <a:endParaRPr lang="es-US" sz="9878" dirty="0"/>
+          </a:p>
+          <a:p>
+            <a:endParaRPr lang="es-US" sz="9878" dirty="0"/>
+          </a:p>
+          <a:p>
+            <a:endParaRPr lang="es-US" sz="9878" dirty="0"/>
+          </a:p>
+          <a:p>
+            <a:endParaRPr lang="es-US" sz="9878" dirty="0"/>
+          </a:p>
+          <a:p>
+            <a:r>
+              <a:rPr lang="en-US" sz="6300" dirty="0"/>
               <a:t>   </a:t>
             </a:r>
             <a:r>
-              <a:rPr lang="en-US" sz="5400" b="1" dirty="0" smtClean="0"/>
-              <a:t>Intraperitoneal </a:t>
-            </a:r>
-            <a:r>
-              <a:rPr lang="en-US" sz="5400" b="1" dirty="0" smtClean="0"/>
-              <a:t>Injections</a:t>
-            </a:r>
-            <a:endParaRPr lang="en-US" sz="5400" dirty="0" smtClean="0"/>
-          </a:p>
-          <a:p>
-            <a:pPr marL="1143000" indent="-1143000">
+              <a:rPr lang="en-US" sz="6300" b="1" dirty="0"/>
+              <a:t>Intraperitoneal Injections</a:t>
+            </a:r>
+            <a:endParaRPr lang="en-US" sz="6300" dirty="0"/>
+          </a:p>
+          <a:p>
+            <a:pPr marL="1333538" indent="-1333538">
               <a:buFont typeface="Wingdings" panose="05000000000000000000" pitchFamily="2" charset="2"/>
               <a:buChar char="v"/>
             </a:pPr>
             <a:r>
-              <a:rPr lang="en-US" sz="5400" dirty="0" smtClean="0"/>
-              <a:t> p10-p30, Sprague Dawley </a:t>
-            </a:r>
-            <a:r>
-              <a:rPr lang="en-US" sz="5400" dirty="0" smtClean="0"/>
-              <a:t>rats</a:t>
-            </a:r>
-          </a:p>
-          <a:p>
-            <a:pPr marL="1143000" indent="-1143000">
+              <a:rPr lang="en-US" sz="6300" dirty="0" smtClean="0"/>
+              <a:t>Sprague-Dawley </a:t>
+            </a:r>
+            <a:r>
+              <a:rPr lang="en-US" sz="6300" dirty="0"/>
+              <a:t>rats, p10-p30</a:t>
+            </a:r>
+          </a:p>
+          <a:p>
+            <a:pPr marL="1333538" indent="-1333538">
               <a:buFont typeface="Wingdings" panose="05000000000000000000" pitchFamily="2" charset="2"/>
               <a:buChar char="v"/>
             </a:pPr>
             <a:r>
-              <a:rPr lang="en-US" sz="5400" dirty="0" smtClean="0"/>
-              <a:t> 200mg/kg Ethosuximide or Saline (control)</a:t>
-            </a:r>
-          </a:p>
-          <a:p>
-            <a:pPr marL="1143000" indent="-1143000">
+              <a:rPr lang="en-US" sz="6300" dirty="0"/>
+              <a:t>200mg/kg Ethosuximide or Saline (control)</a:t>
+            </a:r>
+          </a:p>
+          <a:p>
+            <a:pPr marL="1333538" indent="-1333538">
               <a:buFont typeface="Wingdings" panose="05000000000000000000" pitchFamily="2" charset="2"/>
               <a:buChar char="v"/>
             </a:pPr>
             <a:r>
-              <a:rPr lang="en-US" sz="5400" dirty="0" smtClean="0"/>
+              <a:rPr lang="en-US" sz="6300" dirty="0"/>
               <a:t>n=10 per treatment group</a:t>
             </a:r>
-            <a:endParaRPr lang="en-US" dirty="0"/>
-          </a:p>
-          <a:p>
-            <a:r>
-              <a:rPr lang="en-US" sz="5400" dirty="0" smtClean="0"/>
+            <a:endParaRPr lang="en-US" sz="9878" dirty="0"/>
+          </a:p>
+          <a:p>
+            <a:r>
+              <a:rPr lang="en-US" sz="6300" dirty="0"/>
               <a:t>   </a:t>
             </a:r>
             <a:r>
-              <a:rPr lang="en-US" sz="5400" b="1" dirty="0" smtClean="0"/>
+              <a:rPr lang="en-US" sz="6300" b="1" dirty="0"/>
               <a:t>Open Field</a:t>
             </a:r>
-            <a:endParaRPr lang="en-US" sz="5400" dirty="0" smtClean="0"/>
-          </a:p>
-          <a:p>
-            <a:pPr marL="1143000" indent="-1143000">
+            <a:endParaRPr lang="en-US" sz="6300" dirty="0"/>
+          </a:p>
+          <a:p>
+            <a:pPr marL="1333538" indent="-1333538">
               <a:buFont typeface="Wingdings" panose="05000000000000000000" pitchFamily="2" charset="2"/>
               <a:buChar char="v"/>
             </a:pPr>
             <a:r>
-              <a:rPr lang="en-US" sz="5400" dirty="0" smtClean="0"/>
+              <a:rPr lang="en-US" sz="6300" dirty="0"/>
               <a:t>10 min habituation</a:t>
             </a:r>
           </a:p>
           <a:p>
             <a:r>
-              <a:rPr lang="en-US" sz="5400" dirty="0" smtClean="0"/>
+              <a:rPr lang="en-US" sz="6300" dirty="0"/>
               <a:t>   </a:t>
             </a:r>
             <a:r>
-              <a:rPr lang="en-US" sz="5400" b="1" dirty="0" smtClean="0"/>
+              <a:rPr lang="en-US" sz="6300" b="1" dirty="0"/>
               <a:t>Novel Object Recognition</a:t>
             </a:r>
             <a:r>
-              <a:rPr lang="en-US" sz="5400" dirty="0" smtClean="0"/>
+              <a:rPr lang="en-US" sz="6300" dirty="0"/>
               <a:t> </a:t>
             </a:r>
           </a:p>
           <a:p>
-            <a:pPr marL="685800" indent="-685800">
+            <a:pPr marL="800123" indent="-800123">
               <a:buFont typeface="Wingdings" panose="05000000000000000000" pitchFamily="2" charset="2"/>
               <a:buChar char="v"/>
             </a:pPr>
             <a:r>
-              <a:rPr lang="en-US" sz="5400" dirty="0" smtClean="0"/>
+              <a:rPr lang="en-US" sz="6300" dirty="0"/>
               <a:t>10 min familiarization </a:t>
             </a:r>
           </a:p>
           <a:p>
-            <a:pPr marL="685800" indent="-685800">
+            <a:pPr marL="800123" indent="-800123">
               <a:buFont typeface="Wingdings" panose="05000000000000000000" pitchFamily="2" charset="2"/>
               <a:buChar char="v"/>
             </a:pPr>
             <a:r>
-              <a:rPr lang="en-US" sz="5400" dirty="0" smtClean="0"/>
+              <a:rPr lang="en-US" sz="6300" dirty="0"/>
               <a:t>10 min exploration</a:t>
             </a:r>
           </a:p>
           <a:p>
             <a:r>
-              <a:rPr lang="es-US" sz="4400" dirty="0" smtClean="0"/>
+              <a:rPr lang="es-US" sz="5133" dirty="0"/>
               <a:t>   Arena: 91cmX91cmX35cm</a:t>
             </a:r>
           </a:p>
           <a:p>
             <a:r>
-              <a:rPr lang="es-US" sz="4400" dirty="0" smtClean="0"/>
+              <a:rPr lang="es-US" sz="5133" dirty="0"/>
               <a:t>   </a:t>
             </a:r>
             <a:r>
-              <a:rPr lang="es-US" sz="4400" dirty="0" err="1" smtClean="0"/>
+              <a:rPr lang="es-US" sz="5133" dirty="0" err="1"/>
               <a:t>Ethovision</a:t>
             </a:r>
             <a:r>
-              <a:rPr lang="es-US" sz="4400" dirty="0" smtClean="0"/>
+              <a:rPr lang="es-US" sz="5133" dirty="0"/>
               <a:t> tracking software </a:t>
             </a:r>
           </a:p>
           <a:p>
-            <a:endParaRPr lang="en-US" sz="4400" dirty="0"/>
+            <a:endParaRPr lang="en-US" sz="5133" dirty="0"/>
           </a:p>
         </p:txBody>
       </p:sp>
@@ -3809,8 +3826,8 @@
         </p:nvSpPr>
         <p:spPr>
           <a:xfrm>
-            <a:off x="14728370" y="4822667"/>
-            <a:ext cx="16263258" cy="27001450"/>
+            <a:off x="17136847" y="5626445"/>
+            <a:ext cx="18973801" cy="31501692"/>
           </a:xfrm>
           <a:prstGeom prst="rect">
             <a:avLst/>
@@ -3830,7 +3847,7 @@
           <a:p>
             <a:pPr algn="ctr"/>
             <a:r>
-              <a:rPr lang="en-US" b="1" dirty="0" smtClean="0">
+              <a:rPr lang="en-US" sz="9878" b="1" dirty="0">
                 <a:solidFill>
                   <a:srgbClr val="FA9892"/>
                 </a:solidFill>
@@ -3840,189 +3857,189 @@
           </a:p>
           <a:p>
             <a:pPr algn="ctr"/>
-            <a:endParaRPr lang="en-US" b="1" dirty="0" smtClean="0">
+            <a:endParaRPr lang="en-US" sz="9878" b="1" dirty="0">
               <a:solidFill>
                 <a:srgbClr val="FA9892"/>
               </a:solidFill>
             </a:endParaRPr>
           </a:p>
           <a:p>
-            <a:endParaRPr lang="en-US" b="1" dirty="0">
+            <a:endParaRPr lang="en-US" sz="9878" b="1" dirty="0">
               <a:solidFill>
                 <a:srgbClr val="FA9892"/>
               </a:solidFill>
             </a:endParaRPr>
           </a:p>
           <a:p>
-            <a:endParaRPr lang="en-US" b="1" dirty="0" smtClean="0">
+            <a:endParaRPr lang="en-US" sz="9878" b="1" dirty="0">
               <a:solidFill>
                 <a:srgbClr val="FA9892"/>
               </a:solidFill>
             </a:endParaRPr>
           </a:p>
           <a:p>
-            <a:endParaRPr lang="en-US" b="1" dirty="0">
+            <a:endParaRPr lang="en-US" sz="9878" b="1" dirty="0">
               <a:solidFill>
                 <a:srgbClr val="FA9892"/>
               </a:solidFill>
             </a:endParaRPr>
           </a:p>
           <a:p>
-            <a:endParaRPr lang="en-US" b="1" dirty="0" smtClean="0">
+            <a:endParaRPr lang="en-US" sz="9878" b="1" dirty="0">
               <a:solidFill>
                 <a:srgbClr val="FA9892"/>
               </a:solidFill>
             </a:endParaRPr>
           </a:p>
           <a:p>
-            <a:endParaRPr lang="en-US" b="1" dirty="0">
+            <a:endParaRPr lang="en-US" sz="9878" b="1" dirty="0">
               <a:solidFill>
                 <a:srgbClr val="FA9892"/>
               </a:solidFill>
             </a:endParaRPr>
           </a:p>
           <a:p>
-            <a:endParaRPr lang="en-US" b="1" dirty="0" smtClean="0">
+            <a:endParaRPr lang="en-US" sz="9878" b="1" dirty="0">
               <a:solidFill>
                 <a:srgbClr val="FA9892"/>
               </a:solidFill>
             </a:endParaRPr>
           </a:p>
           <a:p>
-            <a:endParaRPr lang="en-US" b="1" dirty="0">
+            <a:endParaRPr lang="en-US" sz="9878" b="1" dirty="0">
               <a:solidFill>
                 <a:srgbClr val="FA9892"/>
               </a:solidFill>
             </a:endParaRPr>
           </a:p>
           <a:p>
-            <a:endParaRPr lang="en-US" b="1" dirty="0" smtClean="0">
+            <a:endParaRPr lang="en-US" sz="9878" b="1" dirty="0">
               <a:solidFill>
                 <a:srgbClr val="FA9892"/>
               </a:solidFill>
             </a:endParaRPr>
           </a:p>
           <a:p>
-            <a:endParaRPr lang="en-US" b="1" dirty="0">
+            <a:endParaRPr lang="en-US" sz="9878" b="1" dirty="0">
               <a:solidFill>
                 <a:srgbClr val="FA9892"/>
               </a:solidFill>
             </a:endParaRPr>
           </a:p>
           <a:p>
-            <a:endParaRPr lang="en-US" b="1" dirty="0" smtClean="0">
+            <a:endParaRPr lang="en-US" sz="9878" b="1" dirty="0">
               <a:solidFill>
                 <a:srgbClr val="FA9892"/>
               </a:solidFill>
             </a:endParaRPr>
           </a:p>
           <a:p>
-            <a:endParaRPr lang="en-US" b="1" dirty="0">
+            <a:endParaRPr lang="en-US" sz="9878" b="1" dirty="0">
               <a:solidFill>
                 <a:srgbClr val="FA9892"/>
               </a:solidFill>
             </a:endParaRPr>
           </a:p>
           <a:p>
-            <a:endParaRPr lang="en-US" b="1" dirty="0" smtClean="0">
+            <a:endParaRPr lang="en-US" sz="9878" b="1" dirty="0">
               <a:solidFill>
                 <a:srgbClr val="FA9892"/>
               </a:solidFill>
             </a:endParaRPr>
           </a:p>
           <a:p>
-            <a:endParaRPr lang="en-US" b="1" dirty="0">
+            <a:endParaRPr lang="en-US" sz="9878" b="1" dirty="0">
               <a:solidFill>
                 <a:srgbClr val="FA9892"/>
               </a:solidFill>
             </a:endParaRPr>
           </a:p>
           <a:p>
-            <a:endParaRPr lang="en-US" b="1" dirty="0" smtClean="0">
+            <a:endParaRPr lang="en-US" sz="9878" b="1" dirty="0">
               <a:solidFill>
                 <a:srgbClr val="FA9892"/>
               </a:solidFill>
             </a:endParaRPr>
           </a:p>
           <a:p>
-            <a:endParaRPr lang="en-US" b="1" dirty="0">
+            <a:endParaRPr lang="en-US" sz="9878" b="1" dirty="0">
               <a:solidFill>
                 <a:srgbClr val="FA9892"/>
               </a:solidFill>
             </a:endParaRPr>
           </a:p>
           <a:p>
-            <a:endParaRPr lang="en-US" b="1" dirty="0" smtClean="0">
+            <a:endParaRPr lang="en-US" sz="9878" b="1" dirty="0">
               <a:solidFill>
                 <a:srgbClr val="FA9892"/>
               </a:solidFill>
             </a:endParaRPr>
           </a:p>
           <a:p>
-            <a:endParaRPr lang="en-US" b="1" dirty="0">
+            <a:endParaRPr lang="en-US" sz="9878" b="1" dirty="0">
               <a:solidFill>
                 <a:srgbClr val="FA9892"/>
               </a:solidFill>
             </a:endParaRPr>
           </a:p>
           <a:p>
-            <a:endParaRPr lang="en-US" b="1" dirty="0" smtClean="0">
+            <a:endParaRPr lang="en-US" sz="9878" b="1" dirty="0">
               <a:solidFill>
                 <a:srgbClr val="FA9892"/>
               </a:solidFill>
             </a:endParaRPr>
           </a:p>
           <a:p>
-            <a:endParaRPr lang="en-US" b="1" dirty="0">
+            <a:endParaRPr lang="en-US" sz="9878" b="1" dirty="0">
               <a:solidFill>
                 <a:srgbClr val="FA9892"/>
               </a:solidFill>
             </a:endParaRPr>
           </a:p>
           <a:p>
-            <a:endParaRPr lang="en-US" b="1" dirty="0" smtClean="0">
+            <a:endParaRPr lang="en-US" sz="9878" b="1" dirty="0">
               <a:solidFill>
                 <a:srgbClr val="FA9892"/>
               </a:solidFill>
             </a:endParaRPr>
           </a:p>
           <a:p>
-            <a:endParaRPr lang="en-US" b="1" dirty="0">
+            <a:endParaRPr lang="en-US" sz="9878" b="1" dirty="0">
               <a:solidFill>
                 <a:srgbClr val="FA9892"/>
               </a:solidFill>
             </a:endParaRPr>
           </a:p>
           <a:p>
-            <a:endParaRPr lang="en-US" sz="1800" b="1" dirty="0" smtClean="0">
+            <a:endParaRPr lang="en-US" sz="2100" b="1" dirty="0">
               <a:solidFill>
                 <a:srgbClr val="FA9892"/>
               </a:solidFill>
             </a:endParaRPr>
           </a:p>
           <a:p>
-            <a:endParaRPr lang="en-US" sz="1800" b="1" dirty="0">
+            <a:endParaRPr lang="en-US" sz="2100" b="1" dirty="0">
               <a:solidFill>
                 <a:srgbClr val="FA9892"/>
               </a:solidFill>
             </a:endParaRPr>
           </a:p>
           <a:p>
-            <a:endParaRPr lang="en-US" sz="1800" b="1" dirty="0" smtClean="0">
+            <a:endParaRPr lang="en-US" sz="2100" b="1" dirty="0">
               <a:solidFill>
                 <a:srgbClr val="FA9892"/>
               </a:solidFill>
             </a:endParaRPr>
           </a:p>
           <a:p>
-            <a:endParaRPr lang="en-US" sz="1800" b="1" dirty="0">
+            <a:endParaRPr lang="en-US" sz="2100" b="1" dirty="0">
               <a:solidFill>
                 <a:srgbClr val="FA9892"/>
               </a:solidFill>
             </a:endParaRPr>
           </a:p>
           <a:p>
-            <a:endParaRPr lang="en-US" sz="1800" b="1" dirty="0" smtClean="0">
+            <a:endParaRPr lang="en-US" sz="2100" b="1" dirty="0">
               <a:solidFill>
                 <a:srgbClr val="FA9892"/>
               </a:solidFill>
@@ -4038,8 +4055,8 @@
         </p:nvSpPr>
         <p:spPr>
           <a:xfrm>
-            <a:off x="30991628" y="22320235"/>
-            <a:ext cx="12442372" cy="2932791"/>
+            <a:off x="36156899" y="26241921"/>
+            <a:ext cx="14516101" cy="3865544"/>
           </a:xfrm>
           <a:prstGeom prst="rect">
             <a:avLst/>
@@ -4053,20 +4070,20 @@
         </p:spPr>
         <p:txBody>
           <a:bodyPr wrap="square" rtlCol="0">
-            <a:spAutoFit/>
+            <a:noAutofit/>
           </a:bodyPr>
           <a:lstStyle/>
           <a:p>
             <a:pPr algn="ctr"/>
             <a:r>
-              <a:rPr lang="en-US" b="1" dirty="0" smtClean="0">
+              <a:rPr lang="en-US" sz="9878" b="1" dirty="0">
                 <a:solidFill>
                   <a:srgbClr val="FA9892"/>
                 </a:solidFill>
               </a:rPr>
               <a:t>Acknowledgements</a:t>
             </a:r>
-            <a:endParaRPr lang="es-US" b="1" dirty="0">
+            <a:endParaRPr lang="es-US" sz="9878" b="1" dirty="0">
               <a:solidFill>
                 <a:srgbClr val="FA9892"/>
               </a:solidFill>
@@ -4074,34 +4091,28 @@
           </a:p>
           <a:p>
             <a:r>
-              <a:rPr lang="en-US" sz="2800" dirty="0" smtClean="0"/>
-              <a:t>Thank you to </a:t>
-            </a:r>
-            <a:r>
-              <a:rPr lang="en-US" sz="2800" dirty="0" smtClean="0"/>
-              <a:t>Michael Scott and </a:t>
-            </a:r>
-            <a:r>
-              <a:rPr lang="en-US" sz="2800" dirty="0" smtClean="0"/>
-              <a:t>Brandon </a:t>
-            </a:r>
-            <a:r>
-              <a:rPr lang="en-US" sz="2800" dirty="0" err="1" smtClean="0"/>
+              <a:rPr lang="en-US" sz="3267" dirty="0"/>
+              <a:t>Thank you to Michael Scott and Brandon </a:t>
+            </a:r>
+            <a:r>
+              <a:rPr lang="en-US" sz="3267" dirty="0" err="1"/>
               <a:t>Newmyer</a:t>
             </a:r>
             <a:r>
-              <a:rPr lang="en-US" sz="2800" dirty="0" smtClean="0"/>
+              <a:rPr lang="en-US" sz="3267" dirty="0"/>
               <a:t> for assistance with behavior equipment and protocol. Thank you to Adam Lu for assistance with data analysis. Thank you to Finnegan O’Dell for help during the injection phase. Thank you to members of </a:t>
             </a:r>
             <a:r>
-              <a:rPr lang="en-US" sz="2800" dirty="0" err="1" smtClean="0"/>
+              <a:rPr lang="en-US" sz="3267" dirty="0" err="1"/>
               <a:t>Beenhakker</a:t>
             </a:r>
             <a:r>
-              <a:rPr lang="en-US" sz="2800" dirty="0" smtClean="0"/>
+              <a:rPr lang="en-US" sz="3267" dirty="0"/>
               <a:t> lab for support.  </a:t>
             </a:r>
-            <a:endParaRPr lang="en-US" sz="2800" dirty="0"/>
+          </a:p>
+          <a:p>
+            <a:endParaRPr lang="en-US" sz="3267" dirty="0"/>
           </a:p>
         </p:txBody>
       </p:sp>
@@ -4113,8 +4124,8 @@
         </p:nvSpPr>
         <p:spPr>
           <a:xfrm>
-            <a:off x="30991629" y="17787006"/>
-            <a:ext cx="12442371" cy="4533229"/>
+            <a:off x="36156901" y="20751507"/>
+            <a:ext cx="14516100" cy="5490414"/>
           </a:xfrm>
           <a:prstGeom prst="rect">
             <a:avLst/>
@@ -4134,7 +4145,7 @@
           <a:p>
             <a:pPr algn="ctr"/>
             <a:r>
-              <a:rPr lang="en-US" b="1" dirty="0" smtClean="0">
+              <a:rPr lang="en-US" sz="9878" b="1" dirty="0">
                 <a:solidFill>
                   <a:srgbClr val="FA9892"/>
                 </a:solidFill>
@@ -4143,22 +4154,22 @@
             </a:r>
           </a:p>
           <a:p>
-            <a:pPr marL="685800" indent="-685800">
+            <a:pPr marL="800123" indent="-800123">
               <a:buFont typeface="Wingdings" panose="05000000000000000000" pitchFamily="2" charset="2"/>
               <a:buChar char="v"/>
             </a:pPr>
             <a:r>
-              <a:rPr lang="en-US" sz="5400" dirty="0" smtClean="0"/>
+              <a:rPr lang="en-US" sz="6300" dirty="0"/>
               <a:t>Effect of ethosuximide treatment on social interaction behavior</a:t>
             </a:r>
           </a:p>
           <a:p>
-            <a:pPr marL="685800" indent="-685800">
+            <a:pPr marL="800123" indent="-800123">
               <a:buFont typeface="Wingdings" panose="05000000000000000000" pitchFamily="2" charset="2"/>
               <a:buChar char="v"/>
             </a:pPr>
             <a:r>
-              <a:rPr lang="en-US" sz="5400" dirty="0" smtClean="0"/>
+              <a:rPr lang="en-US" sz="6300" dirty="0"/>
               <a:t>Effect of ethosuximide treatment on EEG sleep analysis</a:t>
             </a:r>
           </a:p>
@@ -4172,8 +4183,8 @@
         </p:nvSpPr>
         <p:spPr>
           <a:xfrm>
-            <a:off x="30991626" y="4822666"/>
-            <a:ext cx="12442374" cy="12964340"/>
+            <a:off x="36156897" y="5626444"/>
+            <a:ext cx="14516103" cy="15185375"/>
           </a:xfrm>
           <a:prstGeom prst="rect">
             <a:avLst/>
@@ -4193,7 +4204,7 @@
           <a:p>
             <a:pPr algn="ctr"/>
             <a:r>
-              <a:rPr lang="en-US" b="1" dirty="0" smtClean="0">
+              <a:rPr lang="en-US" sz="9878" b="1" dirty="0">
                 <a:solidFill>
                   <a:srgbClr val="FA9892"/>
                 </a:solidFill>
@@ -4203,80 +4214,106 @@
           </a:p>
           <a:p>
             <a:r>
-              <a:rPr lang="en-US" sz="5400" b="1" dirty="0" smtClean="0"/>
+              <a:rPr lang="en-US" sz="6300" b="1" dirty="0"/>
               <a:t>Open</a:t>
             </a:r>
             <a:r>
-              <a:rPr lang="en-US" sz="5400" dirty="0" smtClean="0"/>
+              <a:rPr lang="en-US" sz="6300" dirty="0"/>
               <a:t> </a:t>
             </a:r>
             <a:r>
-              <a:rPr lang="en-US" sz="5400" b="1" dirty="0" smtClean="0"/>
+              <a:rPr lang="en-US" sz="6300" b="1" dirty="0"/>
               <a:t>Field</a:t>
             </a:r>
           </a:p>
           <a:p>
-            <a:pPr marL="685800" indent="-685800">
+            <a:pPr marL="800123" indent="-800123">
               <a:buFont typeface="Wingdings" panose="05000000000000000000" pitchFamily="2" charset="2"/>
               <a:buChar char="v"/>
             </a:pPr>
             <a:r>
-              <a:rPr lang="en-US" sz="5400" dirty="0" smtClean="0"/>
+              <a:rPr lang="en-US" sz="6300" dirty="0"/>
               <a:t>No significant difference between exploration for in border and in center between treatment groups</a:t>
             </a:r>
           </a:p>
           <a:p>
             <a:r>
-              <a:rPr lang="en-US" sz="5400" b="1" dirty="0" smtClean="0"/>
+              <a:rPr lang="en-US" sz="6300" b="1" dirty="0"/>
               <a:t>Novel Object Recognition</a:t>
             </a:r>
           </a:p>
           <a:p>
-            <a:pPr marL="685800" indent="-685800">
+            <a:pPr marL="800123" indent="-800123">
               <a:buFont typeface="Wingdings" panose="05000000000000000000" pitchFamily="2" charset="2"/>
               <a:buChar char="v"/>
             </a:pPr>
             <a:r>
-              <a:rPr lang="en-US" sz="5400" dirty="0" smtClean="0"/>
-              <a:t>Significant difference between the familiar and novel object trials within each treatment group</a:t>
-            </a:r>
-          </a:p>
-          <a:p>
-            <a:pPr marL="685800" indent="-685800">
+              <a:rPr lang="en-US" sz="6300" dirty="0"/>
+              <a:t>Significant difference between the familiar and novel object trials </a:t>
+            </a:r>
+            <a:r>
+              <a:rPr lang="en-US" sz="6300" dirty="0" smtClean="0"/>
+              <a:t>when </a:t>
+            </a:r>
+            <a:r>
+              <a:rPr lang="en-US" sz="6300" dirty="0"/>
+              <a:t>treatment </a:t>
+            </a:r>
+            <a:r>
+              <a:rPr lang="en-US" sz="6300" dirty="0" smtClean="0"/>
+              <a:t>group is accounted for</a:t>
+            </a:r>
+            <a:endParaRPr lang="en-US" sz="6300" dirty="0"/>
+          </a:p>
+          <a:p>
+            <a:pPr marL="800123" indent="-800123">
               <a:buFont typeface="Wingdings" panose="05000000000000000000" pitchFamily="2" charset="2"/>
               <a:buChar char="v"/>
             </a:pPr>
             <a:r>
-              <a:rPr lang="en-US" sz="5400" dirty="0" smtClean="0"/>
-              <a:t>No significant difference in discrimination index between control and ethosuximide treatment.</a:t>
-            </a:r>
-          </a:p>
-          <a:p>
-            <a:r>
-              <a:rPr lang="en-US" sz="5400" b="1" dirty="0" smtClean="0"/>
+              <a:rPr lang="en-US" sz="6300" dirty="0"/>
+              <a:t>No significant difference in discrimination index between control and </a:t>
+            </a:r>
+            <a:r>
+              <a:rPr lang="en-US" sz="6300" dirty="0" err="1"/>
+              <a:t>ethosuximide</a:t>
+            </a:r>
+            <a:r>
+              <a:rPr lang="en-US" sz="6300" dirty="0"/>
+              <a:t> </a:t>
+            </a:r>
+            <a:r>
+              <a:rPr lang="en-US" sz="6300" dirty="0" smtClean="0"/>
+              <a:t>treatment</a:t>
+            </a:r>
+            <a:endParaRPr lang="en-US" sz="6300" dirty="0"/>
+          </a:p>
+          <a:p>
+            <a:r>
+              <a:rPr lang="en-US" sz="6300" b="1" dirty="0"/>
               <a:t>Limitations</a:t>
             </a:r>
           </a:p>
           <a:p>
-            <a:pPr marL="685800" indent="-685800">
+            <a:pPr marL="800123" indent="-800123">
               <a:buFont typeface="Wingdings" panose="05000000000000000000" pitchFamily="2" charset="2"/>
               <a:buChar char="v"/>
             </a:pPr>
             <a:r>
-              <a:rPr lang="en-US" sz="5400" dirty="0" smtClean="0"/>
+              <a:rPr lang="en-US" sz="6300" dirty="0"/>
               <a:t>Small sample size</a:t>
             </a:r>
           </a:p>
           <a:p>
-            <a:pPr marL="685800" indent="-685800">
+            <a:pPr marL="800123" indent="-800123">
               <a:buFont typeface="Wingdings" panose="05000000000000000000" pitchFamily="2" charset="2"/>
               <a:buChar char="v"/>
             </a:pPr>
             <a:r>
-              <a:rPr lang="en-US" sz="5400" dirty="0" smtClean="0"/>
+              <a:rPr lang="en-US" sz="6300" dirty="0"/>
               <a:t>Tracking software difficult to work with</a:t>
             </a:r>
-            <a:endParaRPr lang="es-US" dirty="0"/>
+            <a:endParaRPr lang="es-US" sz="9878" dirty="0"/>
           </a:p>
         </p:txBody>
       </p:sp>
@@ -4296,8 +4333,8 @@
         </p:blipFill>
         <p:spPr>
           <a:xfrm>
-            <a:off x="688974" y="1728297"/>
-            <a:ext cx="6359525" cy="2682737"/>
+            <a:off x="803804" y="2980800"/>
+            <a:ext cx="5133171" cy="2165406"/>
           </a:xfrm>
           <a:prstGeom prst="rect">
             <a:avLst/>
@@ -4314,8 +4351,8 @@
         </p:nvSpPr>
         <p:spPr bwMode="auto">
           <a:xfrm>
-            <a:off x="155575" y="-144463"/>
-            <a:ext cx="304800" cy="304801"/>
+            <a:off x="181504" y="-168540"/>
+            <a:ext cx="355600" cy="355601"/>
           </a:xfrm>
           <a:prstGeom prst="rect">
             <a:avLst/>
@@ -4332,14 +4369,14 @@
           </a:extLst>
         </p:spPr>
         <p:txBody>
-          <a:bodyPr vert="horz" wrap="square" lIns="91440" tIns="45720" rIns="91440" bIns="45720" numCol="1" anchor="t" anchorCtr="0" compatLnSpc="1">
+          <a:bodyPr vert="horz" wrap="square" lIns="106680" tIns="53340" rIns="106680" bIns="53340" numCol="1" anchor="t" anchorCtr="0" compatLnSpc="1">
             <a:prstTxWarp prst="textNoShape">
               <a:avLst/>
             </a:prstTxWarp>
           </a:bodyPr>
           <a:lstStyle/>
           <a:p>
-            <a:endParaRPr lang="es-US"/>
+            <a:endParaRPr lang="es-US" sz="9878"/>
           </a:p>
         </p:txBody>
       </p:sp>
@@ -4359,8 +4396,8 @@
         </p:blipFill>
         <p:spPr>
           <a:xfrm>
-            <a:off x="40150494" y="1256830"/>
-            <a:ext cx="3154204" cy="3154204"/>
+            <a:off x="48117341" y="2980801"/>
+            <a:ext cx="2207790" cy="2207790"/>
           </a:xfrm>
           <a:prstGeom prst="rect">
             <a:avLst/>
@@ -4375,8 +4412,8 @@
         </p:nvSpPr>
         <p:spPr>
           <a:xfrm>
-            <a:off x="30991628" y="25253026"/>
-            <a:ext cx="12442372" cy="6571091"/>
+            <a:off x="36156899" y="30107467"/>
+            <a:ext cx="14516101" cy="7020670"/>
           </a:xfrm>
           <a:prstGeom prst="rect">
             <a:avLst/>
@@ -4396,7 +4433,7 @@
           <a:p>
             <a:pPr algn="ctr"/>
             <a:r>
-              <a:rPr lang="en-US" b="1" dirty="0" smtClean="0">
+              <a:rPr lang="en-US" sz="9878" b="1" dirty="0">
                 <a:solidFill>
                   <a:srgbClr val="FA9892"/>
                 </a:solidFill>
@@ -4405,333 +4442,311 @@
             </a:r>
           </a:p>
           <a:p>
-            <a:pPr marL="457200" indent="-457200">
+            <a:pPr marL="533415" indent="-533415">
               <a:buFontTx/>
               <a:buAutoNum type="arabicPeriod"/>
             </a:pPr>
             <a:r>
-              <a:rPr lang="en-US" sz="1800" dirty="0" err="1" smtClean="0"/>
+              <a:rPr lang="en-US" sz="2100" dirty="0" err="1"/>
               <a:t>Antunes</a:t>
             </a:r>
             <a:r>
-              <a:rPr lang="en-US" sz="1800" dirty="0" smtClean="0"/>
+              <a:rPr lang="en-US" sz="2100" dirty="0"/>
               <a:t>, M., and G. </a:t>
             </a:r>
             <a:r>
-              <a:rPr lang="en-US" sz="1800" dirty="0" err="1" smtClean="0"/>
+              <a:rPr lang="en-US" sz="2100" dirty="0" err="1"/>
               <a:t>Biala</a:t>
             </a:r>
             <a:r>
-              <a:rPr lang="en-US" sz="1800" dirty="0" smtClean="0"/>
+              <a:rPr lang="en-US" sz="2100" dirty="0"/>
               <a:t>. “The Novel Object Recognition Memory: Neurobiology, Test Procedure, and Its Modifications.” </a:t>
             </a:r>
             <a:r>
-              <a:rPr lang="en-US" sz="1800" i="1" dirty="0" smtClean="0"/>
+              <a:rPr lang="en-US" sz="2100" i="1" dirty="0"/>
               <a:t>Cognitive Processing</a:t>
             </a:r>
             <a:r>
-              <a:rPr lang="en-US" sz="1800" dirty="0" smtClean="0"/>
+              <a:rPr lang="en-US" sz="2100" dirty="0"/>
               <a:t>13.2 (2012): 93–110. </a:t>
             </a:r>
             <a:r>
-              <a:rPr lang="en-US" sz="1800" i="1" dirty="0" smtClean="0"/>
+              <a:rPr lang="en-US" sz="2100" i="1" dirty="0"/>
               <a:t>PMC</a:t>
             </a:r>
             <a:r>
-              <a:rPr lang="en-US" sz="1800" dirty="0" smtClean="0"/>
+              <a:rPr lang="en-US" sz="2100" dirty="0"/>
               <a:t>. Web. 7 Nov. 2017.</a:t>
             </a:r>
-            <a:endParaRPr lang="en-US" sz="1800" dirty="0" smtClean="0"/>
-          </a:p>
-          <a:p>
-            <a:pPr marL="457200" indent="-457200">
+          </a:p>
+          <a:p>
+            <a:pPr marL="533415" indent="-533415">
               <a:buAutoNum type="arabicPeriod"/>
             </a:pPr>
             <a:r>
-              <a:rPr lang="en-US" sz="1800" dirty="0" err="1" smtClean="0"/>
+              <a:rPr lang="en-US" sz="2100" dirty="0" err="1"/>
               <a:t>Glauser</a:t>
             </a:r>
             <a:r>
-              <a:rPr lang="en-US" sz="1800" dirty="0"/>
+              <a:rPr lang="en-US" sz="2100" dirty="0"/>
               <a:t>, Tracy A. et al. Ethosuximide, Valproic Acid, and Lamotrigine in Childhood Absence Epilepsy. The New England journal of medicine 362.9 (2010): 790–799. PMC. Web. https://www.ncbi.nlm.nih.gov/pmc/articles/PMC2924476/#</a:t>
             </a:r>
             <a:r>
-              <a:rPr lang="en-US" sz="1800" dirty="0" smtClean="0"/>
+              <a:rPr lang="en-US" sz="2100" dirty="0"/>
               <a:t>R2</a:t>
             </a:r>
           </a:p>
           <a:p>
-            <a:pPr marL="457200" indent="-457200">
+            <a:pPr marL="533415" indent="-533415">
               <a:buAutoNum type="arabicPeriod"/>
             </a:pPr>
             <a:r>
-              <a:rPr lang="en-US" sz="1800" dirty="0" err="1" smtClean="0"/>
+              <a:rPr lang="en-US" sz="2100" dirty="0" err="1"/>
               <a:t>Glauser</a:t>
             </a:r>
             <a:r>
-              <a:rPr lang="en-US" sz="1800" dirty="0"/>
+              <a:rPr lang="en-US" sz="2100" dirty="0"/>
               <a:t>, T. A., </a:t>
             </a:r>
             <a:r>
-              <a:rPr lang="en-US" sz="1800" dirty="0" err="1"/>
+              <a:rPr lang="en-US" sz="2100" dirty="0" err="1"/>
               <a:t>Cnaan</a:t>
             </a:r>
             <a:r>
-              <a:rPr lang="en-US" sz="1800" dirty="0"/>
+              <a:rPr lang="en-US" sz="2100" dirty="0"/>
               <a:t>, A., </a:t>
             </a:r>
             <a:r>
-              <a:rPr lang="en-US" sz="1800" dirty="0" err="1"/>
+              <a:rPr lang="en-US" sz="2100" dirty="0" err="1"/>
               <a:t>Shinnar</a:t>
             </a:r>
             <a:r>
-              <a:rPr lang="en-US" sz="1800" dirty="0"/>
+              <a:rPr lang="en-US" sz="2100" dirty="0"/>
               <a:t>, S., </a:t>
             </a:r>
             <a:r>
-              <a:rPr lang="en-US" sz="1800" dirty="0" err="1"/>
+              <a:rPr lang="en-US" sz="2100" dirty="0" err="1"/>
               <a:t>Hirtz</a:t>
             </a:r>
             <a:r>
-              <a:rPr lang="en-US" sz="1800" dirty="0"/>
+              <a:rPr lang="en-US" sz="2100" dirty="0"/>
               <a:t>, D. G., </a:t>
             </a:r>
             <a:r>
-              <a:rPr lang="en-US" sz="1800" dirty="0" err="1"/>
+              <a:rPr lang="en-US" sz="2100" dirty="0" err="1"/>
               <a:t>Dlugos</a:t>
             </a:r>
             <a:r>
-              <a:rPr lang="en-US" sz="1800" dirty="0"/>
+              <a:rPr lang="en-US" sz="2100" dirty="0"/>
               <a:t>, D., </a:t>
             </a:r>
             <a:r>
-              <a:rPr lang="en-US" sz="1800" dirty="0" err="1"/>
+              <a:rPr lang="en-US" sz="2100" dirty="0" err="1"/>
               <a:t>Masur</a:t>
             </a:r>
             <a:r>
-              <a:rPr lang="en-US" sz="1800" dirty="0"/>
+              <a:rPr lang="en-US" sz="2100" dirty="0"/>
               <a:t>, D., Clark, P. O., Adamson, P. C. and for the Childhood Absence Epilepsy Study Team (2013), Ethosuximide, valproic acid, and lamotrigine in childhood absence epilepsy: Initial monotherapy outcomes at 12 months. </a:t>
             </a:r>
             <a:r>
-              <a:rPr lang="en-US" sz="1800" dirty="0" err="1"/>
+              <a:rPr lang="en-US" sz="2100" dirty="0" err="1"/>
               <a:t>Epilepsia</a:t>
             </a:r>
             <a:r>
-              <a:rPr lang="en-US" sz="1800" dirty="0"/>
+              <a:rPr lang="en-US" sz="2100" dirty="0"/>
               <a:t>, 54: 141–155. doi:10.1111/epi.12028 http://</a:t>
             </a:r>
             <a:r>
-              <a:rPr lang="en-US" sz="1800" dirty="0" smtClean="0"/>
+              <a:rPr lang="en-US" sz="2100" dirty="0"/>
               <a:t>onlinelibrary.wiley.com/doi/10.1111/epi.12028/full</a:t>
             </a:r>
           </a:p>
           <a:p>
-            <a:pPr marL="457200" indent="-457200">
+            <a:pPr marL="533415" indent="-533415">
               <a:buFontTx/>
               <a:buAutoNum type="arabicPeriod"/>
             </a:pPr>
             <a:r>
-              <a:rPr lang="en-US" sz="1800" dirty="0" err="1" smtClean="0">
-                <a:effectLst/>
-              </a:rPr>
+              <a:rPr lang="en-US" sz="2100" dirty="0" err="1"/>
               <a:t>Ponnusamy</a:t>
             </a:r>
             <a:r>
-              <a:rPr lang="en-US" sz="1800" dirty="0" smtClean="0">
-                <a:effectLst/>
-              </a:rPr>
+              <a:rPr lang="en-US" sz="2100" dirty="0"/>
               <a:t>, R., &amp; Pradhan, N. (2006). The effects of chronic administration of ethosuximide on learning and memory: a behavioral and biochemical study on </a:t>
             </a:r>
             <a:r>
-              <a:rPr lang="en-US" sz="1800" dirty="0" err="1" smtClean="0">
-                <a:effectLst/>
-              </a:rPr>
+              <a:rPr lang="en-US" sz="2100" dirty="0" err="1"/>
               <a:t>nonepileptic</a:t>
             </a:r>
             <a:r>
-              <a:rPr lang="en-US" sz="1800" dirty="0" smtClean="0">
-                <a:effectLst/>
-              </a:rPr>
+              <a:rPr lang="en-US" sz="2100" dirty="0"/>
               <a:t> rats. </a:t>
             </a:r>
             <a:r>
-              <a:rPr lang="en-US" sz="1800" i="1" dirty="0" err="1" smtClean="0">
-                <a:effectLst/>
-              </a:rPr>
+              <a:rPr lang="en-US" sz="2100" i="1" dirty="0" err="1"/>
               <a:t>Behavioural</a:t>
             </a:r>
             <a:r>
-              <a:rPr lang="en-US" sz="1800" i="1" dirty="0" smtClean="0">
-                <a:effectLst/>
-              </a:rPr>
+              <a:rPr lang="en-US" sz="2100" i="1" dirty="0"/>
               <a:t> Pharmacology</a:t>
             </a:r>
             <a:r>
-              <a:rPr lang="en-US" sz="1800" dirty="0" smtClean="0">
-                <a:effectLst/>
-              </a:rPr>
+              <a:rPr lang="en-US" sz="2100" dirty="0"/>
               <a:t>, </a:t>
             </a:r>
             <a:r>
-              <a:rPr lang="en-US" sz="1800" i="1" dirty="0" smtClean="0">
-                <a:effectLst/>
-              </a:rPr>
+              <a:rPr lang="en-US" sz="2100" i="1" dirty="0"/>
               <a:t>17</a:t>
             </a:r>
             <a:r>
-              <a:rPr lang="en-US" sz="1800" dirty="0" smtClean="0">
-                <a:effectLst/>
-              </a:rPr>
+              <a:rPr lang="en-US" sz="2100" dirty="0"/>
               <a:t>(7). Retrieved from https://journals.lww.com/behaviouralpharm/Fulltext/2006/11000/The_effects_of_chronic_administration_of.2.aspx</a:t>
             </a:r>
-            <a:endParaRPr lang="en-US" sz="1800" dirty="0" smtClean="0"/>
-          </a:p>
-          <a:p>
-            <a:pPr marL="457200" indent="-457200">
+          </a:p>
+          <a:p>
+            <a:pPr marL="533415" indent="-533415">
               <a:buAutoNum type="arabicPeriod"/>
             </a:pPr>
             <a:r>
-              <a:rPr lang="en-US" sz="1800" dirty="0" err="1"/>
+              <a:rPr lang="en-US" sz="2100" dirty="0" err="1"/>
               <a:t>Seibenhener</a:t>
             </a:r>
             <a:r>
-              <a:rPr lang="en-US" sz="1800" dirty="0"/>
+              <a:rPr lang="en-US" sz="2100" dirty="0"/>
               <a:t>, Michael L., and Michael C. Wooten. “Use of the Open Field Maze to Measure Locomotor and Anxiety-like Behavior in Mice.” </a:t>
             </a:r>
             <a:r>
-              <a:rPr lang="en-US" sz="1800" i="1" dirty="0"/>
+              <a:rPr lang="en-US" sz="2100" i="1" dirty="0"/>
               <a:t>Journal of Visualized Experiments : </a:t>
             </a:r>
             <a:r>
-              <a:rPr lang="en-US" sz="1800" i="1" dirty="0" err="1"/>
+              <a:rPr lang="en-US" sz="2100" i="1" dirty="0" err="1"/>
               <a:t>JoVE</a:t>
             </a:r>
             <a:r>
-              <a:rPr lang="en-US" sz="1800" dirty="0"/>
+              <a:rPr lang="en-US" sz="2100" dirty="0"/>
               <a:t> 96 (2015): 52434. </a:t>
             </a:r>
             <a:r>
-              <a:rPr lang="en-US" sz="1800" i="1" dirty="0"/>
+              <a:rPr lang="en-US" sz="2100" i="1" dirty="0"/>
               <a:t>PMC</a:t>
             </a:r>
             <a:r>
-              <a:rPr lang="en-US" sz="1800" dirty="0"/>
+              <a:rPr lang="en-US" sz="2100" dirty="0"/>
               <a:t>. Web. 7 Nov. 2017</a:t>
             </a:r>
             <a:r>
-              <a:rPr lang="en-US" sz="1800" dirty="0" smtClean="0"/>
+              <a:rPr lang="en-US" sz="2100" dirty="0"/>
               <a:t>.</a:t>
             </a:r>
           </a:p>
           <a:p>
-            <a:pPr marL="457200" indent="-457200">
+            <a:pPr marL="533415" indent="-533415">
               <a:buAutoNum type="arabicPeriod"/>
             </a:pPr>
             <a:r>
-              <a:rPr lang="en-US" sz="1800" dirty="0" err="1" smtClean="0"/>
+              <a:rPr lang="en-US" sz="2100" dirty="0" err="1"/>
               <a:t>Sengupta</a:t>
             </a:r>
             <a:r>
-              <a:rPr lang="en-US" sz="1800" dirty="0"/>
+              <a:rPr lang="en-US" sz="2100" dirty="0"/>
               <a:t>, </a:t>
             </a:r>
             <a:r>
-              <a:rPr lang="en-US" sz="1800" dirty="0" err="1"/>
+              <a:rPr lang="en-US" sz="2100" dirty="0" err="1"/>
               <a:t>Pallav</a:t>
             </a:r>
             <a:r>
-              <a:rPr lang="en-US" sz="1800" dirty="0"/>
+              <a:rPr lang="en-US" sz="2100" dirty="0"/>
               <a:t>. “The Laboratory Rat: Relating Its Age With Human’s.” </a:t>
             </a:r>
             <a:r>
-              <a:rPr lang="en-US" sz="1800" i="1" dirty="0"/>
+              <a:rPr lang="en-US" sz="2100" i="1" dirty="0"/>
               <a:t>International Journal of Preventive Medicine</a:t>
             </a:r>
             <a:r>
-              <a:rPr lang="en-US" sz="1800" dirty="0"/>
+              <a:rPr lang="en-US" sz="2100" dirty="0"/>
               <a:t> 4.6 (2013): 624–630. </a:t>
             </a:r>
             <a:r>
-              <a:rPr lang="en-US" sz="1800" dirty="0" smtClean="0"/>
+              <a:rPr lang="en-US" sz="2100" dirty="0"/>
               <a:t>Print. </a:t>
             </a:r>
           </a:p>
           <a:p>
-            <a:pPr marL="457200" indent="-457200">
+            <a:pPr marL="533415" indent="-533415">
               <a:buFontTx/>
               <a:buAutoNum type="arabicPeriod"/>
             </a:pPr>
             <a:r>
-              <a:rPr lang="en-US" sz="1800" dirty="0" smtClean="0"/>
+              <a:rPr lang="en-US" sz="2100" dirty="0"/>
               <a:t>Vogel-</a:t>
             </a:r>
             <a:r>
-              <a:rPr lang="en-US" sz="1800" dirty="0" err="1" smtClean="0"/>
+              <a:rPr lang="en-US" sz="2100" dirty="0" err="1"/>
               <a:t>Ciernia</a:t>
             </a:r>
             <a:r>
-              <a:rPr lang="en-US" sz="1800" dirty="0" smtClean="0"/>
+              <a:rPr lang="en-US" sz="2100" dirty="0"/>
               <a:t> A, Wood MA. Examining object location and object recognition memory in mice. </a:t>
             </a:r>
             <a:r>
-              <a:rPr lang="en-US" sz="1800" i="1" dirty="0" err="1" smtClean="0"/>
+              <a:rPr lang="en-US" sz="2100" i="1" dirty="0" err="1"/>
               <a:t>Curr</a:t>
             </a:r>
             <a:r>
-              <a:rPr lang="en-US" sz="1800" i="1" dirty="0" smtClean="0"/>
+              <a:rPr lang="en-US" sz="2100" i="1" dirty="0"/>
               <a:t> </a:t>
             </a:r>
             <a:r>
-              <a:rPr lang="en-US" sz="1800" i="1" dirty="0" err="1" smtClean="0"/>
+              <a:rPr lang="en-US" sz="2100" i="1" dirty="0" err="1"/>
               <a:t>Protoc</a:t>
             </a:r>
             <a:r>
-              <a:rPr lang="en-US" sz="1800" i="1" dirty="0" smtClean="0"/>
+              <a:rPr lang="en-US" sz="2100" i="1" dirty="0"/>
               <a:t> </a:t>
             </a:r>
             <a:r>
-              <a:rPr lang="en-US" sz="1800" i="1" dirty="0" err="1" smtClean="0"/>
+              <a:rPr lang="en-US" sz="2100" i="1" dirty="0" err="1"/>
               <a:t>Neurosci</a:t>
             </a:r>
             <a:r>
-              <a:rPr lang="en-US" sz="1800" dirty="0" smtClean="0"/>
+              <a:rPr lang="en-US" sz="2100" dirty="0"/>
               <a:t>. 2014;69:8.31.1-17. Published 2014 Oct 8. doi:10.1002/0471142301.ns0831s69</a:t>
             </a:r>
           </a:p>
           <a:p>
-            <a:pPr marL="457200" indent="-457200">
+            <a:pPr marL="533415" indent="-533415">
               <a:buFontTx/>
               <a:buAutoNum type="arabicPeriod"/>
             </a:pPr>
-            <a:endParaRPr lang="en-US" sz="1800" dirty="0" smtClean="0">
-              <a:effectLst/>
-            </a:endParaRPr>
-          </a:p>
-          <a:p>
-            <a:pPr marL="457200" indent="-457200">
+            <a:endParaRPr lang="en-US" sz="2100" dirty="0"/>
+          </a:p>
+          <a:p>
+            <a:pPr marL="533415" indent="-533415">
               <a:buAutoNum type="arabicPeriod"/>
             </a:pPr>
-            <a:endParaRPr lang="en-US" sz="1800" dirty="0" smtClean="0"/>
-          </a:p>
-          <a:p>
-            <a:pPr marL="457200" indent="-457200">
+            <a:endParaRPr lang="en-US" sz="2100" dirty="0"/>
+          </a:p>
+          <a:p>
+            <a:pPr marL="533415" indent="-533415">
               <a:buAutoNum type="arabicPeriod"/>
             </a:pPr>
-            <a:endParaRPr lang="en-US" sz="1800" dirty="0" smtClean="0"/>
-          </a:p>
-          <a:p>
-            <a:pPr marL="457200" indent="-457200">
+            <a:endParaRPr lang="en-US" sz="2100" dirty="0"/>
+          </a:p>
+          <a:p>
+            <a:pPr marL="533415" indent="-533415">
               <a:buAutoNum type="arabicPeriod"/>
             </a:pPr>
-            <a:endParaRPr lang="es-US" sz="2400" b="1" dirty="0"/>
+            <a:endParaRPr lang="es-US" sz="2800" b="1" dirty="0"/>
           </a:p>
           <a:p>
             <a:pPr algn="ctr"/>
-            <a:endParaRPr lang="es-US" dirty="0" smtClean="0"/>
+            <a:endParaRPr lang="es-US" sz="9878" dirty="0"/>
           </a:p>
           <a:p>
             <a:pPr algn="ctr"/>
-            <a:endParaRPr lang="es-US" dirty="0" smtClean="0"/>
+            <a:endParaRPr lang="es-US" sz="9878" dirty="0"/>
           </a:p>
         </p:txBody>
       </p:sp>
@@ -4751,8 +4766,8 @@
         </p:blipFill>
         <p:spPr>
           <a:xfrm>
-            <a:off x="15695728" y="18996589"/>
-            <a:ext cx="14526110" cy="10262348"/>
+            <a:off x="17188145" y="21984256"/>
+            <a:ext cx="18871206" cy="13332054"/>
           </a:xfrm>
           <a:prstGeom prst="rect">
             <a:avLst/>
@@ -4774,8 +4789,8 @@
         </p:blipFill>
         <p:spPr>
           <a:xfrm>
-            <a:off x="2666998" y="16882384"/>
-            <a:ext cx="8763001" cy="5138636"/>
+            <a:off x="2172328" y="19696115"/>
+            <a:ext cx="12366632" cy="7251810"/>
           </a:xfrm>
           <a:prstGeom prst="rect">
             <a:avLst/>
@@ -4798,8 +4813,8 @@
         </p:blipFill>
         <p:spPr>
           <a:xfrm>
-            <a:off x="8702505" y="26607241"/>
-            <a:ext cx="5667375" cy="4429125"/>
+            <a:off x="10152923" y="31041782"/>
+            <a:ext cx="6611938" cy="5167313"/>
           </a:xfrm>
           <a:prstGeom prst="rect">
             <a:avLst/>
@@ -4814,8 +4829,8 @@
         </p:nvSpPr>
         <p:spPr>
           <a:xfrm>
-            <a:off x="18327713" y="16125309"/>
-            <a:ext cx="9064570" cy="1815882"/>
+            <a:off x="21133426" y="20054534"/>
+            <a:ext cx="11330982" cy="1097865"/>
           </a:xfrm>
           <a:prstGeom prst="rect">
             <a:avLst/>
@@ -4829,14 +4844,21 @@
           <a:lstStyle/>
           <a:p>
             <a:r>
-              <a:rPr lang="en-US" sz="2800" b="1" dirty="0" smtClean="0"/>
+              <a:rPr lang="en-US" sz="3267" b="1" dirty="0"/>
               <a:t>Figure 1: Ratio of duration in border and duration in center between  treatment groups</a:t>
             </a:r>
             <a:r>
-              <a:rPr lang="en-US" sz="2800" dirty="0" smtClean="0"/>
-              <a:t>. Mean duration in center: control= 21.5 s,  ethosuximide = 15.3s. Welch two sample t-test: p=0.549.</a:t>
-            </a:r>
-            <a:endParaRPr lang="en-US" sz="2800" dirty="0" smtClean="0"/>
+              <a:rPr lang="en-US" sz="3267" dirty="0"/>
+              <a:t>. </a:t>
+            </a:r>
+            <a:r>
+              <a:rPr lang="en-US" sz="3267" dirty="0" smtClean="0"/>
+              <a:t>Wilcoxon rank sum test,  </a:t>
+            </a:r>
+            <a:r>
+              <a:rPr lang="en-US" sz="3267" dirty="0"/>
+              <a:t>p=0.549.</a:t>
+            </a:r>
           </a:p>
         </p:txBody>
       </p:sp>
@@ -4848,8 +4870,8 @@
         </p:nvSpPr>
         <p:spPr>
           <a:xfrm>
-            <a:off x="18327713" y="29346886"/>
-            <a:ext cx="9712270" cy="1333679"/>
+            <a:off x="21133426" y="35316311"/>
+            <a:ext cx="12231178" cy="1555959"/>
           </a:xfrm>
           <a:prstGeom prst="rect">
             <a:avLst/>
@@ -4863,25 +4885,37 @@
           <a:lstStyle/>
           <a:p>
             <a:r>
-              <a:rPr lang="en-US" sz="2800" b="1" dirty="0" smtClean="0"/>
+              <a:rPr lang="en-US" sz="3267" b="1" dirty="0"/>
               <a:t>Figure 2: Discrimination Index between treatment groups and trial type.  </a:t>
             </a:r>
             <a:r>
-              <a:rPr lang="en-US" sz="2800" dirty="0" smtClean="0"/>
+              <a:rPr lang="en-US" sz="3267" dirty="0"/>
               <a:t>Two way </a:t>
             </a:r>
             <a:r>
-              <a:rPr lang="en-US" sz="2800" dirty="0" err="1" smtClean="0"/>
-              <a:t>Anova</a:t>
-            </a:r>
-            <a:r>
-              <a:rPr lang="en-US" sz="2800" dirty="0" smtClean="0"/>
-              <a:t>: Trial Type= 0.00529 , Treatment=0.69606</a:t>
-            </a:r>
-            <a:endParaRPr lang="es-US" sz="2800" dirty="0" smtClean="0"/>
-          </a:p>
-          <a:p>
-            <a:endParaRPr lang="es-US" sz="3600" dirty="0"/>
+              <a:rPr lang="en-US" sz="3267" dirty="0" smtClean="0"/>
+              <a:t>ANOVA: </a:t>
+            </a:r>
+            <a:r>
+              <a:rPr lang="en-US" sz="3267" dirty="0"/>
+              <a:t>Trial </a:t>
+            </a:r>
+            <a:r>
+              <a:rPr lang="en-US" sz="3267" dirty="0" smtClean="0"/>
+              <a:t>Type, p= </a:t>
+            </a:r>
+            <a:r>
+              <a:rPr lang="en-US" sz="3267" dirty="0"/>
+              <a:t>0.00529 , </a:t>
+            </a:r>
+            <a:r>
+              <a:rPr lang="en-US" sz="3267" dirty="0" smtClean="0"/>
+              <a:t>Treatment, p=0.69606</a:t>
+            </a:r>
+            <a:endParaRPr lang="es-US" sz="3267" dirty="0"/>
+          </a:p>
+          <a:p>
+            <a:endParaRPr lang="es-US" sz="4200" dirty="0"/>
           </a:p>
         </p:txBody>
       </p:sp>
@@ -4907,14 +4941,50 @@
         </p:blipFill>
         <p:spPr>
           <a:xfrm>
-            <a:off x="16295467" y="6596743"/>
-            <a:ext cx="13141403" cy="9380458"/>
+            <a:off x="17720561" y="7275548"/>
+            <a:ext cx="18067678" cy="12896881"/>
           </a:xfrm>
           <a:prstGeom prst="rect">
             <a:avLst/>
           </a:prstGeom>
         </p:spPr>
       </p:pic>
+      <p:sp>
+        <p:nvSpPr>
+          <p:cNvPr id="2" name="TextBox 1"/>
+          <p:cNvSpPr txBox="1"/>
+          <p:nvPr/>
+        </p:nvSpPr>
+        <p:spPr>
+          <a:xfrm>
+            <a:off x="1302073" y="22701052"/>
+            <a:ext cx="1368524" cy="584775"/>
+          </a:xfrm>
+          <a:prstGeom prst="rect">
+            <a:avLst/>
+          </a:prstGeom>
+          <a:noFill/>
+        </p:spPr>
+        <p:txBody>
+          <a:bodyPr wrap="square" rtlCol="0">
+            <a:spAutoFit/>
+          </a:bodyPr>
+          <a:lstStyle/>
+          <a:p>
+            <a:r>
+              <a:rPr lang="en-US" sz="3200" dirty="0" smtClean="0">
+                <a:latin typeface="Times New Roman" panose="02020603050405020304" pitchFamily="18" charset="0"/>
+                <a:cs typeface="Times New Roman" panose="02020603050405020304" pitchFamily="18" charset="0"/>
+              </a:rPr>
+              <a:t>Days</a:t>
+            </a:r>
+            <a:endParaRPr lang="en-US" sz="3200" dirty="0">
+              <a:latin typeface="Times New Roman" panose="02020603050405020304" pitchFamily="18" charset="0"/>
+              <a:cs typeface="Times New Roman" panose="02020603050405020304" pitchFamily="18" charset="0"/>
+            </a:endParaRPr>
+          </a:p>
+        </p:txBody>
+      </p:sp>
     </p:spTree>
     <p:extLst>
       <p:ext uri="{BB962C8B-B14F-4D97-AF65-F5344CB8AC3E}">
@@ -4974,9 +5044,9 @@
         <a:latin typeface="Calibri Light" panose="020F0302020204030204"/>
         <a:ea typeface=""/>
         <a:cs typeface=""/>
-        <a:font script="Jpan" typeface="ＭＳ Ｐゴシック"/>
+        <a:font script="Jpan" typeface="游ゴシック Light"/>
         <a:font script="Hang" typeface="맑은 고딕"/>
-        <a:font script="Hans" typeface="宋体"/>
+        <a:font script="Hans" typeface="等线 Light"/>
         <a:font script="Hant" typeface="新細明體"/>
         <a:font script="Arab" typeface="Times New Roman"/>
         <a:font script="Hebr" typeface="Times New Roman"/>
@@ -5009,9 +5079,9 @@
         <a:latin typeface="Calibri" panose="020F0502020204030204"/>
         <a:ea typeface=""/>
         <a:cs typeface=""/>
-        <a:font script="Jpan" typeface="ＭＳ Ｐゴシック"/>
+        <a:font script="Jpan" typeface="游ゴシック"/>
         <a:font script="Hang" typeface="맑은 고딕"/>
-        <a:font script="Hans" typeface="宋体"/>
+        <a:font script="Hans" typeface="等线"/>
         <a:font script="Hant" typeface="新細明體"/>
         <a:font script="Arab" typeface="Arial"/>
         <a:font script="Hebr" typeface="Arial"/>
